--- a/doc/figures/figure.pptx
+++ b/doc/figures/figure.pptx
@@ -8,6 +8,7 @@
     <p:sldId id="256" r:id="rId2"/>
     <p:sldId id="257" r:id="rId3"/>
     <p:sldId id="258" r:id="rId4"/>
+    <p:sldId id="259" r:id="rId5"/>
   </p:sldIdLst>
   <p:sldSz cx="12192000" cy="6858000"/>
   <p:notesSz cx="6858000" cy="9144000"/>
@@ -261,7 +262,7 @@
           <a:p>
             <a:fld id="{8B4BD406-0A93-4526-97FD-0A33E30C7660}" type="datetimeFigureOut">
               <a:rPr kumimoji="1" lang="ja-JP" altLang="en-US" smtClean="0"/>
-              <a:t>2019/10/30</a:t>
+              <a:t>2019/11/3</a:t>
             </a:fld>
             <a:endParaRPr kumimoji="1" lang="ja-JP" altLang="en-US"/>
           </a:p>
@@ -491,7 +492,7 @@
           <a:p>
             <a:fld id="{8B4BD406-0A93-4526-97FD-0A33E30C7660}" type="datetimeFigureOut">
               <a:rPr kumimoji="1" lang="ja-JP" altLang="en-US" smtClean="0"/>
-              <a:t>2019/10/30</a:t>
+              <a:t>2019/11/3</a:t>
             </a:fld>
             <a:endParaRPr kumimoji="1" lang="ja-JP" altLang="en-US"/>
           </a:p>
@@ -731,7 +732,7 @@
           <a:p>
             <a:fld id="{8B4BD406-0A93-4526-97FD-0A33E30C7660}" type="datetimeFigureOut">
               <a:rPr kumimoji="1" lang="ja-JP" altLang="en-US" smtClean="0"/>
-              <a:t>2019/10/30</a:t>
+              <a:t>2019/11/3</a:t>
             </a:fld>
             <a:endParaRPr kumimoji="1" lang="ja-JP" altLang="en-US"/>
           </a:p>
@@ -961,7 +962,7 @@
           <a:p>
             <a:fld id="{8B4BD406-0A93-4526-97FD-0A33E30C7660}" type="datetimeFigureOut">
               <a:rPr kumimoji="1" lang="ja-JP" altLang="en-US" smtClean="0"/>
-              <a:t>2019/10/30</a:t>
+              <a:t>2019/11/3</a:t>
             </a:fld>
             <a:endParaRPr kumimoji="1" lang="ja-JP" altLang="en-US"/>
           </a:p>
@@ -1236,7 +1237,7 @@
           <a:p>
             <a:fld id="{8B4BD406-0A93-4526-97FD-0A33E30C7660}" type="datetimeFigureOut">
               <a:rPr kumimoji="1" lang="ja-JP" altLang="en-US" smtClean="0"/>
-              <a:t>2019/10/30</a:t>
+              <a:t>2019/11/3</a:t>
             </a:fld>
             <a:endParaRPr kumimoji="1" lang="ja-JP" altLang="en-US"/>
           </a:p>
@@ -1565,7 +1566,7 @@
           <a:p>
             <a:fld id="{8B4BD406-0A93-4526-97FD-0A33E30C7660}" type="datetimeFigureOut">
               <a:rPr kumimoji="1" lang="ja-JP" altLang="en-US" smtClean="0"/>
-              <a:t>2019/10/30</a:t>
+              <a:t>2019/11/3</a:t>
             </a:fld>
             <a:endParaRPr kumimoji="1" lang="ja-JP" altLang="en-US"/>
           </a:p>
@@ -2041,7 +2042,7 @@
           <a:p>
             <a:fld id="{8B4BD406-0A93-4526-97FD-0A33E30C7660}" type="datetimeFigureOut">
               <a:rPr kumimoji="1" lang="ja-JP" altLang="en-US" smtClean="0"/>
-              <a:t>2019/10/30</a:t>
+              <a:t>2019/11/3</a:t>
             </a:fld>
             <a:endParaRPr kumimoji="1" lang="ja-JP" altLang="en-US"/>
           </a:p>
@@ -2182,7 +2183,7 @@
           <a:p>
             <a:fld id="{8B4BD406-0A93-4526-97FD-0A33E30C7660}" type="datetimeFigureOut">
               <a:rPr kumimoji="1" lang="ja-JP" altLang="en-US" smtClean="0"/>
-              <a:t>2019/10/30</a:t>
+              <a:t>2019/11/3</a:t>
             </a:fld>
             <a:endParaRPr kumimoji="1" lang="ja-JP" altLang="en-US"/>
           </a:p>
@@ -2295,7 +2296,7 @@
           <a:p>
             <a:fld id="{8B4BD406-0A93-4526-97FD-0A33E30C7660}" type="datetimeFigureOut">
               <a:rPr kumimoji="1" lang="ja-JP" altLang="en-US" smtClean="0"/>
-              <a:t>2019/10/30</a:t>
+              <a:t>2019/11/3</a:t>
             </a:fld>
             <a:endParaRPr kumimoji="1" lang="ja-JP" altLang="en-US"/>
           </a:p>
@@ -2638,7 +2639,7 @@
           <a:p>
             <a:fld id="{8B4BD406-0A93-4526-97FD-0A33E30C7660}" type="datetimeFigureOut">
               <a:rPr kumimoji="1" lang="ja-JP" altLang="en-US" smtClean="0"/>
-              <a:t>2019/10/30</a:t>
+              <a:t>2019/11/3</a:t>
             </a:fld>
             <a:endParaRPr kumimoji="1" lang="ja-JP" altLang="en-US"/>
           </a:p>
@@ -2926,7 +2927,7 @@
           <a:p>
             <a:fld id="{8B4BD406-0A93-4526-97FD-0A33E30C7660}" type="datetimeFigureOut">
               <a:rPr kumimoji="1" lang="ja-JP" altLang="en-US" smtClean="0"/>
-              <a:t>2019/10/30</a:t>
+              <a:t>2019/11/3</a:t>
             </a:fld>
             <a:endParaRPr kumimoji="1" lang="ja-JP" altLang="en-US"/>
           </a:p>
@@ -3199,7 +3200,7 @@
           <a:p>
             <a:fld id="{8B4BD406-0A93-4526-97FD-0A33E30C7660}" type="datetimeFigureOut">
               <a:rPr kumimoji="1" lang="ja-JP" altLang="en-US" smtClean="0"/>
-              <a:t>2019/10/30</a:t>
+              <a:t>2019/11/3</a:t>
             </a:fld>
             <a:endParaRPr kumimoji="1" lang="ja-JP" altLang="en-US"/>
           </a:p>
@@ -5958,8 +5959,8 @@
             </a:p>
           </p:txBody>
         </p:sp>
-        <mc:AlternateContent xmlns:mc="http://schemas.openxmlformats.org/markup-compatibility/2006">
-          <mc:Choice xmlns:a14="http://schemas.microsoft.com/office/drawing/2010/main" Requires="a14">
+        <mc:AlternateContent xmlns:mc="http://schemas.openxmlformats.org/markup-compatibility/2006" xmlns:a14="http://schemas.microsoft.com/office/drawing/2010/main">
+          <mc:Choice Requires="a14">
             <p:sp>
               <p:nvSpPr>
                 <p:cNvPr id="3" name="楕円 2">
@@ -6073,7 +6074,7 @@
               </p:txBody>
             </p:sp>
           </mc:Choice>
-          <mc:Fallback>
+          <mc:Fallback xmlns="">
             <p:sp>
               <p:nvSpPr>
                 <p:cNvPr id="3" name="楕円 2">
@@ -6123,8 +6124,8 @@
             </p:sp>
           </mc:Fallback>
         </mc:AlternateContent>
-        <mc:AlternateContent xmlns:mc="http://schemas.openxmlformats.org/markup-compatibility/2006">
-          <mc:Choice xmlns:a14="http://schemas.microsoft.com/office/drawing/2010/main" Requires="a14">
+        <mc:AlternateContent xmlns:mc="http://schemas.openxmlformats.org/markup-compatibility/2006" xmlns:a14="http://schemas.microsoft.com/office/drawing/2010/main">
+          <mc:Choice Requires="a14">
             <p:sp>
               <p:nvSpPr>
                 <p:cNvPr id="4" name="楕円 3">
@@ -6229,7 +6230,7 @@
               </p:txBody>
             </p:sp>
           </mc:Choice>
-          <mc:Fallback>
+          <mc:Fallback xmlns="">
             <p:sp>
               <p:nvSpPr>
                 <p:cNvPr id="4" name="楕円 3">
@@ -6279,8 +6280,8 @@
             </p:sp>
           </mc:Fallback>
         </mc:AlternateContent>
-        <mc:AlternateContent xmlns:mc="http://schemas.openxmlformats.org/markup-compatibility/2006">
-          <mc:Choice xmlns:a14="http://schemas.microsoft.com/office/drawing/2010/main" Requires="a14">
+        <mc:AlternateContent xmlns:mc="http://schemas.openxmlformats.org/markup-compatibility/2006" xmlns:a14="http://schemas.microsoft.com/office/drawing/2010/main">
+          <mc:Choice Requires="a14">
             <p:sp>
               <p:nvSpPr>
                 <p:cNvPr id="5" name="楕円 4">
@@ -6394,7 +6395,7 @@
               </p:txBody>
             </p:sp>
           </mc:Choice>
-          <mc:Fallback>
+          <mc:Fallback xmlns="">
             <p:sp>
               <p:nvSpPr>
                 <p:cNvPr id="5" name="楕円 4">
@@ -6444,8 +6445,8 @@
             </p:sp>
           </mc:Fallback>
         </mc:AlternateContent>
-        <mc:AlternateContent xmlns:mc="http://schemas.openxmlformats.org/markup-compatibility/2006">
-          <mc:Choice xmlns:a14="http://schemas.microsoft.com/office/drawing/2010/main" Requires="a14">
+        <mc:AlternateContent xmlns:mc="http://schemas.openxmlformats.org/markup-compatibility/2006" xmlns:a14="http://schemas.microsoft.com/office/drawing/2010/main">
+          <mc:Choice Requires="a14">
             <p:sp>
               <p:nvSpPr>
                 <p:cNvPr id="6" name="楕円 5">
@@ -6559,7 +6560,7 @@
               </p:txBody>
             </p:sp>
           </mc:Choice>
-          <mc:Fallback>
+          <mc:Fallback xmlns="">
             <p:sp>
               <p:nvSpPr>
                 <p:cNvPr id="6" name="楕円 5">
@@ -6609,8 +6610,8 @@
             </p:sp>
           </mc:Fallback>
         </mc:AlternateContent>
-        <mc:AlternateContent xmlns:mc="http://schemas.openxmlformats.org/markup-compatibility/2006">
-          <mc:Choice xmlns:a14="http://schemas.microsoft.com/office/drawing/2010/main" Requires="a14">
+        <mc:AlternateContent xmlns:mc="http://schemas.openxmlformats.org/markup-compatibility/2006" xmlns:a14="http://schemas.microsoft.com/office/drawing/2010/main">
+          <mc:Choice Requires="a14">
             <p:sp>
               <p:nvSpPr>
                 <p:cNvPr id="7" name="楕円 6">
@@ -6715,7 +6716,7 @@
               </p:txBody>
             </p:sp>
           </mc:Choice>
-          <mc:Fallback>
+          <mc:Fallback xmlns="">
             <p:sp>
               <p:nvSpPr>
                 <p:cNvPr id="7" name="楕円 6">
@@ -6765,8 +6766,8 @@
             </p:sp>
           </mc:Fallback>
         </mc:AlternateContent>
-        <mc:AlternateContent xmlns:mc="http://schemas.openxmlformats.org/markup-compatibility/2006">
-          <mc:Choice xmlns:a14="http://schemas.microsoft.com/office/drawing/2010/main" Requires="a14">
+        <mc:AlternateContent xmlns:mc="http://schemas.openxmlformats.org/markup-compatibility/2006" xmlns:a14="http://schemas.microsoft.com/office/drawing/2010/main">
+          <mc:Choice Requires="a14">
             <p:sp>
               <p:nvSpPr>
                 <p:cNvPr id="8" name="楕円 7">
@@ -6880,7 +6881,7 @@
               </p:txBody>
             </p:sp>
           </mc:Choice>
-          <mc:Fallback>
+          <mc:Fallback xmlns="">
             <p:sp>
               <p:nvSpPr>
                 <p:cNvPr id="8" name="楕円 7">
@@ -6930,8 +6931,8 @@
             </p:sp>
           </mc:Fallback>
         </mc:AlternateContent>
-        <mc:AlternateContent xmlns:mc="http://schemas.openxmlformats.org/markup-compatibility/2006">
-          <mc:Choice xmlns:a14="http://schemas.microsoft.com/office/drawing/2010/main" Requires="a14">
+        <mc:AlternateContent xmlns:mc="http://schemas.openxmlformats.org/markup-compatibility/2006" xmlns:a14="http://schemas.microsoft.com/office/drawing/2010/main">
+          <mc:Choice Requires="a14">
             <p:sp>
               <p:nvSpPr>
                 <p:cNvPr id="9" name="楕円 8">
@@ -7041,7 +7042,7 @@
               </p:txBody>
             </p:sp>
           </mc:Choice>
-          <mc:Fallback>
+          <mc:Fallback xmlns="">
             <p:sp>
               <p:nvSpPr>
                 <p:cNvPr id="9" name="楕円 8">
@@ -7091,8 +7092,8 @@
             </p:sp>
           </mc:Fallback>
         </mc:AlternateContent>
-        <mc:AlternateContent xmlns:mc="http://schemas.openxmlformats.org/markup-compatibility/2006">
-          <mc:Choice xmlns:a14="http://schemas.microsoft.com/office/drawing/2010/main" Requires="a14">
+        <mc:AlternateContent xmlns:mc="http://schemas.openxmlformats.org/markup-compatibility/2006" xmlns:a14="http://schemas.microsoft.com/office/drawing/2010/main">
+          <mc:Choice Requires="a14">
             <p:sp>
               <p:nvSpPr>
                 <p:cNvPr id="10" name="楕円 9">
@@ -7193,7 +7194,7 @@
               </p:txBody>
             </p:sp>
           </mc:Choice>
-          <mc:Fallback>
+          <mc:Fallback xmlns="">
             <p:sp>
               <p:nvSpPr>
                 <p:cNvPr id="10" name="楕円 9">
@@ -7243,8 +7244,8 @@
             </p:sp>
           </mc:Fallback>
         </mc:AlternateContent>
-        <mc:AlternateContent xmlns:mc="http://schemas.openxmlformats.org/markup-compatibility/2006">
-          <mc:Choice xmlns:a14="http://schemas.microsoft.com/office/drawing/2010/main" Requires="a14">
+        <mc:AlternateContent xmlns:mc="http://schemas.openxmlformats.org/markup-compatibility/2006" xmlns:a14="http://schemas.microsoft.com/office/drawing/2010/main">
+          <mc:Choice Requires="a14">
             <p:sp>
               <p:nvSpPr>
                 <p:cNvPr id="11" name="楕円 10">
@@ -7356,7 +7357,7 @@
               </p:txBody>
             </p:sp>
           </mc:Choice>
-          <mc:Fallback>
+          <mc:Fallback xmlns="">
             <p:sp>
               <p:nvSpPr>
                 <p:cNvPr id="11" name="楕円 10">
@@ -7865,8 +7866,8 @@
             </a:fontRef>
           </p:style>
         </p:cxnSp>
-        <mc:AlternateContent xmlns:mc="http://schemas.openxmlformats.org/markup-compatibility/2006">
-          <mc:Choice xmlns:a14="http://schemas.microsoft.com/office/drawing/2010/main" Requires="a14">
+        <mc:AlternateContent xmlns:mc="http://schemas.openxmlformats.org/markup-compatibility/2006" xmlns:a14="http://schemas.microsoft.com/office/drawing/2010/main">
+          <mc:Choice Requires="a14">
             <p:sp>
               <p:nvSpPr>
                 <p:cNvPr id="22" name="楕円 21">
@@ -7940,7 +7941,7 @@
               </p:txBody>
             </p:sp>
           </mc:Choice>
-          <mc:Fallback>
+          <mc:Fallback xmlns="">
             <p:sp>
               <p:nvSpPr>
                 <p:cNvPr id="22" name="楕円 21">
@@ -7988,8 +7989,8 @@
             </p:sp>
           </mc:Fallback>
         </mc:AlternateContent>
-        <mc:AlternateContent xmlns:mc="http://schemas.openxmlformats.org/markup-compatibility/2006">
-          <mc:Choice xmlns:a14="http://schemas.microsoft.com/office/drawing/2010/main" Requires="a14">
+        <mc:AlternateContent xmlns:mc="http://schemas.openxmlformats.org/markup-compatibility/2006" xmlns:a14="http://schemas.microsoft.com/office/drawing/2010/main">
+          <mc:Choice Requires="a14">
             <p:sp>
               <p:nvSpPr>
                 <p:cNvPr id="23" name="楕円 22">
@@ -8063,7 +8064,7 @@
               </p:txBody>
             </p:sp>
           </mc:Choice>
-          <mc:Fallback>
+          <mc:Fallback xmlns="">
             <p:sp>
               <p:nvSpPr>
                 <p:cNvPr id="23" name="楕円 22">
@@ -8111,8 +8112,8 @@
             </p:sp>
           </mc:Fallback>
         </mc:AlternateContent>
-        <mc:AlternateContent xmlns:mc="http://schemas.openxmlformats.org/markup-compatibility/2006">
-          <mc:Choice xmlns:a14="http://schemas.microsoft.com/office/drawing/2010/main" Requires="a14">
+        <mc:AlternateContent xmlns:mc="http://schemas.openxmlformats.org/markup-compatibility/2006" xmlns:a14="http://schemas.microsoft.com/office/drawing/2010/main">
+          <mc:Choice Requires="a14">
             <p:sp>
               <p:nvSpPr>
                 <p:cNvPr id="24" name="楕円 23">
@@ -8190,7 +8191,7 @@
               </p:txBody>
             </p:sp>
           </mc:Choice>
-          <mc:Fallback>
+          <mc:Fallback xmlns="">
             <p:sp>
               <p:nvSpPr>
                 <p:cNvPr id="24" name="楕円 23">
@@ -8549,8 +8550,8 @@
             </a:p>
           </p:txBody>
         </p:sp>
-        <mc:AlternateContent xmlns:mc="http://schemas.openxmlformats.org/markup-compatibility/2006">
-          <mc:Choice xmlns:a14="http://schemas.microsoft.com/office/drawing/2010/main" Requires="a14">
+        <mc:AlternateContent xmlns:mc="http://schemas.openxmlformats.org/markup-compatibility/2006" xmlns:a14="http://schemas.microsoft.com/office/drawing/2010/main">
+          <mc:Choice Requires="a14">
             <p:sp>
               <p:nvSpPr>
                 <p:cNvPr id="4" name="楕円 3">
@@ -8664,7 +8665,7 @@
               </p:txBody>
             </p:sp>
           </mc:Choice>
-          <mc:Fallback>
+          <mc:Fallback xmlns="">
             <p:sp>
               <p:nvSpPr>
                 <p:cNvPr id="4" name="楕円 3">
@@ -8714,8 +8715,8 @@
             </p:sp>
           </mc:Fallback>
         </mc:AlternateContent>
-        <mc:AlternateContent xmlns:mc="http://schemas.openxmlformats.org/markup-compatibility/2006">
-          <mc:Choice xmlns:a14="http://schemas.microsoft.com/office/drawing/2010/main" Requires="a14">
+        <mc:AlternateContent xmlns:mc="http://schemas.openxmlformats.org/markup-compatibility/2006" xmlns:a14="http://schemas.microsoft.com/office/drawing/2010/main">
+          <mc:Choice Requires="a14">
             <p:sp>
               <p:nvSpPr>
                 <p:cNvPr id="5" name="楕円 4">
@@ -8820,7 +8821,7 @@
               </p:txBody>
             </p:sp>
           </mc:Choice>
-          <mc:Fallback>
+          <mc:Fallback xmlns="">
             <p:sp>
               <p:nvSpPr>
                 <p:cNvPr id="5" name="楕円 4">
@@ -8870,8 +8871,8 @@
             </p:sp>
           </mc:Fallback>
         </mc:AlternateContent>
-        <mc:AlternateContent xmlns:mc="http://schemas.openxmlformats.org/markup-compatibility/2006">
-          <mc:Choice xmlns:a14="http://schemas.microsoft.com/office/drawing/2010/main" Requires="a14">
+        <mc:AlternateContent xmlns:mc="http://schemas.openxmlformats.org/markup-compatibility/2006" xmlns:a14="http://schemas.microsoft.com/office/drawing/2010/main">
+          <mc:Choice Requires="a14">
             <p:sp>
               <p:nvSpPr>
                 <p:cNvPr id="6" name="楕円 5">
@@ -8985,7 +8986,7 @@
               </p:txBody>
             </p:sp>
           </mc:Choice>
-          <mc:Fallback>
+          <mc:Fallback xmlns="">
             <p:sp>
               <p:nvSpPr>
                 <p:cNvPr id="6" name="楕円 5">
@@ -9035,8 +9036,8 @@
             </p:sp>
           </mc:Fallback>
         </mc:AlternateContent>
-        <mc:AlternateContent xmlns:mc="http://schemas.openxmlformats.org/markup-compatibility/2006">
-          <mc:Choice xmlns:a14="http://schemas.microsoft.com/office/drawing/2010/main" Requires="a14">
+        <mc:AlternateContent xmlns:mc="http://schemas.openxmlformats.org/markup-compatibility/2006" xmlns:a14="http://schemas.microsoft.com/office/drawing/2010/main">
+          <mc:Choice Requires="a14">
             <p:sp>
               <p:nvSpPr>
                 <p:cNvPr id="7" name="楕円 6">
@@ -9150,7 +9151,7 @@
               </p:txBody>
             </p:sp>
           </mc:Choice>
-          <mc:Fallback>
+          <mc:Fallback xmlns="">
             <p:sp>
               <p:nvSpPr>
                 <p:cNvPr id="7" name="楕円 6">
@@ -9200,8 +9201,8 @@
             </p:sp>
           </mc:Fallback>
         </mc:AlternateContent>
-        <mc:AlternateContent xmlns:mc="http://schemas.openxmlformats.org/markup-compatibility/2006">
-          <mc:Choice xmlns:a14="http://schemas.microsoft.com/office/drawing/2010/main" Requires="a14">
+        <mc:AlternateContent xmlns:mc="http://schemas.openxmlformats.org/markup-compatibility/2006" xmlns:a14="http://schemas.microsoft.com/office/drawing/2010/main">
+          <mc:Choice Requires="a14">
             <p:sp>
               <p:nvSpPr>
                 <p:cNvPr id="8" name="楕円 7">
@@ -9306,7 +9307,7 @@
               </p:txBody>
             </p:sp>
           </mc:Choice>
-          <mc:Fallback>
+          <mc:Fallback xmlns="">
             <p:sp>
               <p:nvSpPr>
                 <p:cNvPr id="8" name="楕円 7">
@@ -9356,8 +9357,8 @@
             </p:sp>
           </mc:Fallback>
         </mc:AlternateContent>
-        <mc:AlternateContent xmlns:mc="http://schemas.openxmlformats.org/markup-compatibility/2006">
-          <mc:Choice xmlns:a14="http://schemas.microsoft.com/office/drawing/2010/main" Requires="a14">
+        <mc:AlternateContent xmlns:mc="http://schemas.openxmlformats.org/markup-compatibility/2006" xmlns:a14="http://schemas.microsoft.com/office/drawing/2010/main">
+          <mc:Choice Requires="a14">
             <p:sp>
               <p:nvSpPr>
                 <p:cNvPr id="9" name="楕円 8">
@@ -9471,7 +9472,7 @@
               </p:txBody>
             </p:sp>
           </mc:Choice>
-          <mc:Fallback>
+          <mc:Fallback xmlns="">
             <p:sp>
               <p:nvSpPr>
                 <p:cNvPr id="9" name="楕円 8">
@@ -9521,8 +9522,8 @@
             </p:sp>
           </mc:Fallback>
         </mc:AlternateContent>
-        <mc:AlternateContent xmlns:mc="http://schemas.openxmlformats.org/markup-compatibility/2006">
-          <mc:Choice xmlns:a14="http://schemas.microsoft.com/office/drawing/2010/main" Requires="a14">
+        <mc:AlternateContent xmlns:mc="http://schemas.openxmlformats.org/markup-compatibility/2006" xmlns:a14="http://schemas.microsoft.com/office/drawing/2010/main">
+          <mc:Choice Requires="a14">
             <p:sp>
               <p:nvSpPr>
                 <p:cNvPr id="10" name="楕円 9">
@@ -9634,7 +9635,7 @@
               </p:txBody>
             </p:sp>
           </mc:Choice>
-          <mc:Fallback>
+          <mc:Fallback xmlns="">
             <p:sp>
               <p:nvSpPr>
                 <p:cNvPr id="10" name="楕円 9">
@@ -9684,8 +9685,8 @@
             </p:sp>
           </mc:Fallback>
         </mc:AlternateContent>
-        <mc:AlternateContent xmlns:mc="http://schemas.openxmlformats.org/markup-compatibility/2006">
-          <mc:Choice xmlns:a14="http://schemas.microsoft.com/office/drawing/2010/main" Requires="a14">
+        <mc:AlternateContent xmlns:mc="http://schemas.openxmlformats.org/markup-compatibility/2006" xmlns:a14="http://schemas.microsoft.com/office/drawing/2010/main">
+          <mc:Choice Requires="a14">
             <p:sp>
               <p:nvSpPr>
                 <p:cNvPr id="11" name="楕円 10">
@@ -9788,7 +9789,7 @@
               </p:txBody>
             </p:sp>
           </mc:Choice>
-          <mc:Fallback>
+          <mc:Fallback xmlns="">
             <p:sp>
               <p:nvSpPr>
                 <p:cNvPr id="11" name="楕円 10">
@@ -9838,8 +9839,8 @@
             </p:sp>
           </mc:Fallback>
         </mc:AlternateContent>
-        <mc:AlternateContent xmlns:mc="http://schemas.openxmlformats.org/markup-compatibility/2006">
-          <mc:Choice xmlns:a14="http://schemas.microsoft.com/office/drawing/2010/main" Requires="a14">
+        <mc:AlternateContent xmlns:mc="http://schemas.openxmlformats.org/markup-compatibility/2006" xmlns:a14="http://schemas.microsoft.com/office/drawing/2010/main">
+          <mc:Choice Requires="a14">
             <p:sp>
               <p:nvSpPr>
                 <p:cNvPr id="12" name="楕円 11">
@@ -9951,7 +9952,7 @@
               </p:txBody>
             </p:sp>
           </mc:Choice>
-          <mc:Fallback>
+          <mc:Fallback xmlns="">
             <p:sp>
               <p:nvSpPr>
                 <p:cNvPr id="12" name="楕円 11">
@@ -10460,8 +10461,8 @@
             </a:fontRef>
           </p:style>
         </p:cxnSp>
-        <mc:AlternateContent xmlns:mc="http://schemas.openxmlformats.org/markup-compatibility/2006">
-          <mc:Choice xmlns:a14="http://schemas.microsoft.com/office/drawing/2010/main" Requires="a14">
+        <mc:AlternateContent xmlns:mc="http://schemas.openxmlformats.org/markup-compatibility/2006" xmlns:a14="http://schemas.microsoft.com/office/drawing/2010/main">
+          <mc:Choice Requires="a14">
             <p:sp>
               <p:nvSpPr>
                 <p:cNvPr id="23" name="楕円 22">
@@ -10535,7 +10536,7 @@
               </p:txBody>
             </p:sp>
           </mc:Choice>
-          <mc:Fallback>
+          <mc:Fallback xmlns="">
             <p:sp>
               <p:nvSpPr>
                 <p:cNvPr id="23" name="楕円 22">
@@ -10583,8 +10584,8 @@
             </p:sp>
           </mc:Fallback>
         </mc:AlternateContent>
-        <mc:AlternateContent xmlns:mc="http://schemas.openxmlformats.org/markup-compatibility/2006">
-          <mc:Choice xmlns:a14="http://schemas.microsoft.com/office/drawing/2010/main" Requires="a14">
+        <mc:AlternateContent xmlns:mc="http://schemas.openxmlformats.org/markup-compatibility/2006" xmlns:a14="http://schemas.microsoft.com/office/drawing/2010/main">
+          <mc:Choice Requires="a14">
             <p:sp>
               <p:nvSpPr>
                 <p:cNvPr id="24" name="楕円 23">
@@ -10658,7 +10659,7 @@
               </p:txBody>
             </p:sp>
           </mc:Choice>
-          <mc:Fallback>
+          <mc:Fallback xmlns="">
             <p:sp>
               <p:nvSpPr>
                 <p:cNvPr id="24" name="楕円 23">
@@ -10706,8 +10707,8 @@
             </p:sp>
           </mc:Fallback>
         </mc:AlternateContent>
-        <mc:AlternateContent xmlns:mc="http://schemas.openxmlformats.org/markup-compatibility/2006">
-          <mc:Choice xmlns:a14="http://schemas.microsoft.com/office/drawing/2010/main" Requires="a14">
+        <mc:AlternateContent xmlns:mc="http://schemas.openxmlformats.org/markup-compatibility/2006" xmlns:a14="http://schemas.microsoft.com/office/drawing/2010/main">
+          <mc:Choice Requires="a14">
             <p:sp>
               <p:nvSpPr>
                 <p:cNvPr id="25" name="楕円 24">
@@ -10785,7 +10786,7 @@
               </p:txBody>
             </p:sp>
           </mc:Choice>
-          <mc:Fallback>
+          <mc:Fallback xmlns="">
             <p:sp>
               <p:nvSpPr>
                 <p:cNvPr id="25" name="楕円 24">
@@ -10978,6 +10979,4016 @@
     <p:extLst>
       <p:ext uri="{BB962C8B-B14F-4D97-AF65-F5344CB8AC3E}">
         <p14:creationId xmlns:p14="http://schemas.microsoft.com/office/powerpoint/2010/main" val="3698045680"/>
+      </p:ext>
+    </p:extLst>
+  </p:cSld>
+  <p:clrMapOvr>
+    <a:masterClrMapping/>
+  </p:clrMapOvr>
+</p:sld>
+</file>
+
+<file path=ppt/slides/slide4.xml><?xml version="1.0" encoding="utf-8"?>
+<p:sld xmlns:a="http://schemas.openxmlformats.org/drawingml/2006/main" xmlns:r="http://schemas.openxmlformats.org/officeDocument/2006/relationships" xmlns:p="http://schemas.openxmlformats.org/presentationml/2006/main">
+  <p:cSld>
+    <p:spTree>
+      <p:nvGrpSpPr>
+        <p:cNvPr id="1" name=""/>
+        <p:cNvGrpSpPr/>
+        <p:nvPr/>
+      </p:nvGrpSpPr>
+      <p:grpSpPr>
+        <a:xfrm>
+          <a:off x="0" y="0"/>
+          <a:ext cx="0" cy="0"/>
+          <a:chOff x="0" y="0"/>
+          <a:chExt cx="0" cy="0"/>
+        </a:xfrm>
+      </p:grpSpPr>
+      <p:grpSp>
+        <p:nvGrpSpPr>
+          <p:cNvPr id="53" name="グループ化 52">
+            <a:extLst>
+              <a:ext uri="{FF2B5EF4-FFF2-40B4-BE49-F238E27FC236}">
+                <a16:creationId xmlns:a16="http://schemas.microsoft.com/office/drawing/2014/main" id="{742353FF-CE8A-4C37-8CF4-1F41E0B79209}"/>
+              </a:ext>
+            </a:extLst>
+          </p:cNvPr>
+          <p:cNvGrpSpPr/>
+          <p:nvPr/>
+        </p:nvGrpSpPr>
+        <p:grpSpPr>
+          <a:xfrm>
+            <a:off x="1810041" y="2455688"/>
+            <a:ext cx="8940141" cy="3375964"/>
+            <a:chOff x="2468863" y="2450009"/>
+            <a:chExt cx="8940141" cy="3375964"/>
+          </a:xfrm>
+        </p:grpSpPr>
+        <mc:AlternateContent xmlns:mc="http://schemas.openxmlformats.org/markup-compatibility/2006">
+          <mc:Choice xmlns:a14="http://schemas.microsoft.com/office/drawing/2010/main" Requires="a14">
+            <p:sp>
+              <p:nvSpPr>
+                <p:cNvPr id="5" name="楕円 4">
+                  <a:extLst>
+                    <a:ext uri="{FF2B5EF4-FFF2-40B4-BE49-F238E27FC236}">
+                      <a16:creationId xmlns:a16="http://schemas.microsoft.com/office/drawing/2014/main" id="{8A1CC0E6-4002-4E67-BB76-3EDC7EE95E0F}"/>
+                    </a:ext>
+                  </a:extLst>
+                </p:cNvPr>
+                <p:cNvSpPr/>
+                <p:nvPr/>
+              </p:nvSpPr>
+              <p:spPr>
+                <a:xfrm>
+                  <a:off x="3365433" y="3159000"/>
+                  <a:ext cx="540000" cy="540000"/>
+                </a:xfrm>
+                <a:prstGeom prst="ellipse">
+                  <a:avLst/>
+                </a:prstGeom>
+                <a:solidFill>
+                  <a:schemeClr val="bg1">
+                    <a:lumMod val="85000"/>
+                  </a:schemeClr>
+                </a:solidFill>
+                <a:ln>
+                  <a:solidFill>
+                    <a:schemeClr val="tx1"/>
+                  </a:solidFill>
+                </a:ln>
+              </p:spPr>
+              <p:style>
+                <a:lnRef idx="2">
+                  <a:schemeClr val="accent1">
+                    <a:shade val="50000"/>
+                  </a:schemeClr>
+                </a:lnRef>
+                <a:fillRef idx="1">
+                  <a:schemeClr val="accent1"/>
+                </a:fillRef>
+                <a:effectRef idx="0">
+                  <a:schemeClr val="accent1"/>
+                </a:effectRef>
+                <a:fontRef idx="minor">
+                  <a:schemeClr val="lt1"/>
+                </a:fontRef>
+              </p:style>
+              <p:txBody>
+                <a:bodyPr rtlCol="0" anchor="ctr"/>
+                <a:lstStyle/>
+                <a:p>
+                  <a:pPr algn="ctr"/>
+                  <a14:m>
+                    <m:oMathPara xmlns:m="http://schemas.openxmlformats.org/officeDocument/2006/math">
+                      <m:oMathParaPr>
+                        <m:jc m:val="center"/>
+                      </m:oMathParaPr>
+                      <m:oMath xmlns:m="http://schemas.openxmlformats.org/officeDocument/2006/math">
+                        <m:sSub>
+                          <m:sSubPr>
+                            <m:ctrlPr>
+                              <a:rPr kumimoji="1" lang="en-US" altLang="ja-JP" sz="1600" b="0" i="1" smtClean="0">
+                                <a:solidFill>
+                                  <a:schemeClr val="tx1"/>
+                                </a:solidFill>
+                                <a:latin typeface="Cambria Math" panose="02040503050406030204" pitchFamily="18" charset="0"/>
+                              </a:rPr>
+                            </m:ctrlPr>
+                          </m:sSubPr>
+                          <m:e>
+                            <m:r>
+                              <a:rPr kumimoji="1" lang="en-US" altLang="ja-JP" sz="1600" b="0" i="1" smtClean="0">
+                                <a:solidFill>
+                                  <a:schemeClr val="tx1"/>
+                                </a:solidFill>
+                                <a:latin typeface="Cambria Math" panose="02040503050406030204" pitchFamily="18" charset="0"/>
+                              </a:rPr>
+                              <m:t>𝑢</m:t>
+                            </m:r>
+                          </m:e>
+                          <m:sub>
+                            <m:r>
+                              <a:rPr kumimoji="1" lang="en-US" altLang="ja-JP" sz="1600" b="0" i="1" smtClean="0">
+                                <a:solidFill>
+                                  <a:schemeClr val="tx1"/>
+                                </a:solidFill>
+                                <a:latin typeface="Cambria Math" panose="02040503050406030204" pitchFamily="18" charset="0"/>
+                              </a:rPr>
+                              <m:t>𝑡</m:t>
+                            </m:r>
+                            <m:r>
+                              <a:rPr kumimoji="1" lang="en-US" altLang="ja-JP" sz="1600" b="0" i="1" smtClean="0">
+                                <a:solidFill>
+                                  <a:schemeClr val="tx1"/>
+                                </a:solidFill>
+                                <a:latin typeface="Cambria Math" panose="02040503050406030204" pitchFamily="18" charset="0"/>
+                              </a:rPr>
+                              <m:t>−1</m:t>
+                            </m:r>
+                          </m:sub>
+                        </m:sSub>
+                      </m:oMath>
+                    </m:oMathPara>
+                  </a14:m>
+                  <a:endParaRPr kumimoji="1" lang="ja-JP" altLang="en-US" sz="1600" dirty="0">
+                    <a:solidFill>
+                      <a:schemeClr val="tx1"/>
+                    </a:solidFill>
+                  </a:endParaRPr>
+                </a:p>
+              </p:txBody>
+            </p:sp>
+          </mc:Choice>
+          <mc:Fallback>
+            <p:sp>
+              <p:nvSpPr>
+                <p:cNvPr id="5" name="楕円 4">
+                  <a:extLst>
+                    <a:ext uri="{FF2B5EF4-FFF2-40B4-BE49-F238E27FC236}">
+                      <a16:creationId xmlns:a16="http://schemas.microsoft.com/office/drawing/2014/main" id="{8A1CC0E6-4002-4E67-BB76-3EDC7EE95E0F}"/>
+                    </a:ext>
+                  </a:extLst>
+                </p:cNvPr>
+                <p:cNvSpPr>
+                  <a:spLocks noRot="1" noChangeAspect="1" noMove="1" noResize="1" noEditPoints="1" noAdjustHandles="1" noChangeArrowheads="1" noChangeShapeType="1" noTextEdit="1"/>
+                </p:cNvSpPr>
+                <p:nvPr/>
+              </p:nvSpPr>
+              <p:spPr>
+                <a:xfrm>
+                  <a:off x="3365433" y="3159000"/>
+                  <a:ext cx="540000" cy="540000"/>
+                </a:xfrm>
+                <a:prstGeom prst="ellipse">
+                  <a:avLst/>
+                </a:prstGeom>
+                <a:blipFill>
+                  <a:blip r:embed="rId2"/>
+                  <a:stretch>
+                    <a:fillRect/>
+                  </a:stretch>
+                </a:blipFill>
+                <a:ln>
+                  <a:solidFill>
+                    <a:schemeClr val="tx1"/>
+                  </a:solidFill>
+                </a:ln>
+              </p:spPr>
+              <p:txBody>
+                <a:bodyPr/>
+                <a:lstStyle/>
+                <a:p>
+                  <a:r>
+                    <a:rPr lang="ja-JP" altLang="en-US">
+                      <a:noFill/>
+                    </a:rPr>
+                    <a:t> </a:t>
+                  </a:r>
+                </a:p>
+              </p:txBody>
+            </p:sp>
+          </mc:Fallback>
+        </mc:AlternateContent>
+        <mc:AlternateContent xmlns:mc="http://schemas.openxmlformats.org/markup-compatibility/2006">
+          <mc:Choice xmlns:a14="http://schemas.microsoft.com/office/drawing/2010/main" Requires="a14">
+            <p:sp>
+              <p:nvSpPr>
+                <p:cNvPr id="6" name="楕円 5">
+                  <a:extLst>
+                    <a:ext uri="{FF2B5EF4-FFF2-40B4-BE49-F238E27FC236}">
+                      <a16:creationId xmlns:a16="http://schemas.microsoft.com/office/drawing/2014/main" id="{968859A3-0E1A-4441-9291-28F001F6881D}"/>
+                    </a:ext>
+                  </a:extLst>
+                </p:cNvPr>
+                <p:cNvSpPr/>
+                <p:nvPr/>
+              </p:nvSpPr>
+              <p:spPr>
+                <a:xfrm>
+                  <a:off x="5051299" y="3159000"/>
+                  <a:ext cx="540000" cy="540000"/>
+                </a:xfrm>
+                <a:prstGeom prst="ellipse">
+                  <a:avLst/>
+                </a:prstGeom>
+                <a:solidFill>
+                  <a:schemeClr val="bg1">
+                    <a:lumMod val="85000"/>
+                  </a:schemeClr>
+                </a:solidFill>
+                <a:ln>
+                  <a:solidFill>
+                    <a:schemeClr val="tx1"/>
+                  </a:solidFill>
+                </a:ln>
+              </p:spPr>
+              <p:style>
+                <a:lnRef idx="2">
+                  <a:schemeClr val="accent1">
+                    <a:shade val="50000"/>
+                  </a:schemeClr>
+                </a:lnRef>
+                <a:fillRef idx="1">
+                  <a:schemeClr val="accent1"/>
+                </a:fillRef>
+                <a:effectRef idx="0">
+                  <a:schemeClr val="accent1"/>
+                </a:effectRef>
+                <a:fontRef idx="minor">
+                  <a:schemeClr val="lt1"/>
+                </a:fontRef>
+              </p:style>
+              <p:txBody>
+                <a:bodyPr rtlCol="0" anchor="ctr"/>
+                <a:lstStyle/>
+                <a:p>
+                  <a:pPr algn="ctr"/>
+                  <a14:m>
+                    <m:oMathPara xmlns:m="http://schemas.openxmlformats.org/officeDocument/2006/math">
+                      <m:oMathParaPr>
+                        <m:jc m:val="center"/>
+                      </m:oMathParaPr>
+                      <m:oMath xmlns:m="http://schemas.openxmlformats.org/officeDocument/2006/math">
+                        <m:sSub>
+                          <m:sSubPr>
+                            <m:ctrlPr>
+                              <a:rPr kumimoji="1" lang="en-US" altLang="ja-JP" sz="1600" b="0" i="1" smtClean="0">
+                                <a:solidFill>
+                                  <a:schemeClr val="tx1"/>
+                                </a:solidFill>
+                                <a:latin typeface="Cambria Math" panose="02040503050406030204" pitchFamily="18" charset="0"/>
+                              </a:rPr>
+                            </m:ctrlPr>
+                          </m:sSubPr>
+                          <m:e>
+                            <m:r>
+                              <a:rPr kumimoji="1" lang="en-US" altLang="ja-JP" sz="1600" b="0" i="1" smtClean="0">
+                                <a:solidFill>
+                                  <a:schemeClr val="tx1"/>
+                                </a:solidFill>
+                                <a:latin typeface="Cambria Math" panose="02040503050406030204" pitchFamily="18" charset="0"/>
+                              </a:rPr>
+                              <m:t>𝑢</m:t>
+                            </m:r>
+                          </m:e>
+                          <m:sub>
+                            <m:r>
+                              <a:rPr kumimoji="1" lang="en-US" altLang="ja-JP" sz="1600" b="0" i="1" smtClean="0">
+                                <a:solidFill>
+                                  <a:schemeClr val="tx1"/>
+                                </a:solidFill>
+                                <a:latin typeface="Cambria Math" panose="02040503050406030204" pitchFamily="18" charset="0"/>
+                              </a:rPr>
+                              <m:t>𝑡</m:t>
+                            </m:r>
+                          </m:sub>
+                        </m:sSub>
+                      </m:oMath>
+                    </m:oMathPara>
+                  </a14:m>
+                  <a:endParaRPr kumimoji="1" lang="ja-JP" altLang="en-US" sz="1600" dirty="0">
+                    <a:solidFill>
+                      <a:schemeClr val="tx1"/>
+                    </a:solidFill>
+                  </a:endParaRPr>
+                </a:p>
+              </p:txBody>
+            </p:sp>
+          </mc:Choice>
+          <mc:Fallback>
+            <p:sp>
+              <p:nvSpPr>
+                <p:cNvPr id="6" name="楕円 5">
+                  <a:extLst>
+                    <a:ext uri="{FF2B5EF4-FFF2-40B4-BE49-F238E27FC236}">
+                      <a16:creationId xmlns:a16="http://schemas.microsoft.com/office/drawing/2014/main" id="{968859A3-0E1A-4441-9291-28F001F6881D}"/>
+                    </a:ext>
+                  </a:extLst>
+                </p:cNvPr>
+                <p:cNvSpPr>
+                  <a:spLocks noRot="1" noChangeAspect="1" noMove="1" noResize="1" noEditPoints="1" noAdjustHandles="1" noChangeArrowheads="1" noChangeShapeType="1" noTextEdit="1"/>
+                </p:cNvSpPr>
+                <p:nvPr/>
+              </p:nvSpPr>
+              <p:spPr>
+                <a:xfrm>
+                  <a:off x="5051299" y="3159000"/>
+                  <a:ext cx="540000" cy="540000"/>
+                </a:xfrm>
+                <a:prstGeom prst="ellipse">
+                  <a:avLst/>
+                </a:prstGeom>
+                <a:blipFill>
+                  <a:blip r:embed="rId3"/>
+                  <a:stretch>
+                    <a:fillRect/>
+                  </a:stretch>
+                </a:blipFill>
+                <a:ln>
+                  <a:solidFill>
+                    <a:schemeClr val="tx1"/>
+                  </a:solidFill>
+                </a:ln>
+              </p:spPr>
+              <p:txBody>
+                <a:bodyPr/>
+                <a:lstStyle/>
+                <a:p>
+                  <a:r>
+                    <a:rPr lang="ja-JP" altLang="en-US">
+                      <a:noFill/>
+                    </a:rPr>
+                    <a:t> </a:t>
+                  </a:r>
+                </a:p>
+              </p:txBody>
+            </p:sp>
+          </mc:Fallback>
+        </mc:AlternateContent>
+        <mc:AlternateContent xmlns:mc="http://schemas.openxmlformats.org/markup-compatibility/2006">
+          <mc:Choice xmlns:a14="http://schemas.microsoft.com/office/drawing/2010/main" Requires="a14">
+            <p:sp>
+              <p:nvSpPr>
+                <p:cNvPr id="7" name="楕円 6">
+                  <a:extLst>
+                    <a:ext uri="{FF2B5EF4-FFF2-40B4-BE49-F238E27FC236}">
+                      <a16:creationId xmlns:a16="http://schemas.microsoft.com/office/drawing/2014/main" id="{01E9B2C1-D9F9-491E-B955-8B97BE913E03}"/>
+                    </a:ext>
+                  </a:extLst>
+                </p:cNvPr>
+                <p:cNvSpPr/>
+                <p:nvPr/>
+              </p:nvSpPr>
+              <p:spPr>
+                <a:xfrm>
+                  <a:off x="6737165" y="3159000"/>
+                  <a:ext cx="540000" cy="540000"/>
+                </a:xfrm>
+                <a:prstGeom prst="ellipse">
+                  <a:avLst/>
+                </a:prstGeom>
+                <a:solidFill>
+                  <a:schemeClr val="bg1">
+                    <a:lumMod val="85000"/>
+                  </a:schemeClr>
+                </a:solidFill>
+                <a:ln>
+                  <a:solidFill>
+                    <a:schemeClr val="tx1"/>
+                  </a:solidFill>
+                </a:ln>
+              </p:spPr>
+              <p:style>
+                <a:lnRef idx="2">
+                  <a:schemeClr val="accent1">
+                    <a:shade val="50000"/>
+                  </a:schemeClr>
+                </a:lnRef>
+                <a:fillRef idx="1">
+                  <a:schemeClr val="accent1"/>
+                </a:fillRef>
+                <a:effectRef idx="0">
+                  <a:schemeClr val="accent1"/>
+                </a:effectRef>
+                <a:fontRef idx="minor">
+                  <a:schemeClr val="lt1"/>
+                </a:fontRef>
+              </p:style>
+              <p:txBody>
+                <a:bodyPr rtlCol="0" anchor="ctr"/>
+                <a:lstStyle/>
+                <a:p>
+                  <a:pPr algn="ctr"/>
+                  <a14:m>
+                    <m:oMathPara xmlns:m="http://schemas.openxmlformats.org/officeDocument/2006/math">
+                      <m:oMathParaPr>
+                        <m:jc m:val="center"/>
+                      </m:oMathParaPr>
+                      <m:oMath xmlns:m="http://schemas.openxmlformats.org/officeDocument/2006/math">
+                        <m:sSub>
+                          <m:sSubPr>
+                            <m:ctrlPr>
+                              <a:rPr kumimoji="1" lang="en-US" altLang="ja-JP" sz="1600" b="0" i="1" smtClean="0">
+                                <a:solidFill>
+                                  <a:schemeClr val="tx1"/>
+                                </a:solidFill>
+                                <a:latin typeface="Cambria Math" panose="02040503050406030204" pitchFamily="18" charset="0"/>
+                              </a:rPr>
+                            </m:ctrlPr>
+                          </m:sSubPr>
+                          <m:e>
+                            <m:r>
+                              <a:rPr kumimoji="1" lang="en-US" altLang="ja-JP" sz="1600" b="0" i="1" smtClean="0">
+                                <a:solidFill>
+                                  <a:schemeClr val="tx1"/>
+                                </a:solidFill>
+                                <a:latin typeface="Cambria Math" panose="02040503050406030204" pitchFamily="18" charset="0"/>
+                              </a:rPr>
+                              <m:t>𝑢</m:t>
+                            </m:r>
+                          </m:e>
+                          <m:sub>
+                            <m:r>
+                              <a:rPr kumimoji="1" lang="en-US" altLang="ja-JP" sz="1600" b="0" i="1" smtClean="0">
+                                <a:solidFill>
+                                  <a:schemeClr val="tx1"/>
+                                </a:solidFill>
+                                <a:latin typeface="Cambria Math" panose="02040503050406030204" pitchFamily="18" charset="0"/>
+                              </a:rPr>
+                              <m:t>𝑡</m:t>
+                            </m:r>
+                            <m:r>
+                              <a:rPr kumimoji="1" lang="en-US" altLang="ja-JP" sz="1600" b="0" i="1" smtClean="0">
+                                <a:solidFill>
+                                  <a:schemeClr val="tx1"/>
+                                </a:solidFill>
+                                <a:latin typeface="Cambria Math" panose="02040503050406030204" pitchFamily="18" charset="0"/>
+                              </a:rPr>
+                              <m:t>+1</m:t>
+                            </m:r>
+                          </m:sub>
+                        </m:sSub>
+                      </m:oMath>
+                    </m:oMathPara>
+                  </a14:m>
+                  <a:endParaRPr kumimoji="1" lang="ja-JP" altLang="en-US" sz="1600" dirty="0">
+                    <a:solidFill>
+                      <a:schemeClr val="tx1"/>
+                    </a:solidFill>
+                  </a:endParaRPr>
+                </a:p>
+              </p:txBody>
+            </p:sp>
+          </mc:Choice>
+          <mc:Fallback>
+            <p:sp>
+              <p:nvSpPr>
+                <p:cNvPr id="7" name="楕円 6">
+                  <a:extLst>
+                    <a:ext uri="{FF2B5EF4-FFF2-40B4-BE49-F238E27FC236}">
+                      <a16:creationId xmlns:a16="http://schemas.microsoft.com/office/drawing/2014/main" id="{01E9B2C1-D9F9-491E-B955-8B97BE913E03}"/>
+                    </a:ext>
+                  </a:extLst>
+                </p:cNvPr>
+                <p:cNvSpPr>
+                  <a:spLocks noRot="1" noChangeAspect="1" noMove="1" noResize="1" noEditPoints="1" noAdjustHandles="1" noChangeArrowheads="1" noChangeShapeType="1" noTextEdit="1"/>
+                </p:cNvSpPr>
+                <p:nvPr/>
+              </p:nvSpPr>
+              <p:spPr>
+                <a:xfrm>
+                  <a:off x="6737165" y="3159000"/>
+                  <a:ext cx="540000" cy="540000"/>
+                </a:xfrm>
+                <a:prstGeom prst="ellipse">
+                  <a:avLst/>
+                </a:prstGeom>
+                <a:blipFill>
+                  <a:blip r:embed="rId4"/>
+                  <a:stretch>
+                    <a:fillRect/>
+                  </a:stretch>
+                </a:blipFill>
+                <a:ln>
+                  <a:solidFill>
+                    <a:schemeClr val="tx1"/>
+                  </a:solidFill>
+                </a:ln>
+              </p:spPr>
+              <p:txBody>
+                <a:bodyPr/>
+                <a:lstStyle/>
+                <a:p>
+                  <a:r>
+                    <a:rPr lang="ja-JP" altLang="en-US">
+                      <a:noFill/>
+                    </a:rPr>
+                    <a:t> </a:t>
+                  </a:r>
+                </a:p>
+              </p:txBody>
+            </p:sp>
+          </mc:Fallback>
+        </mc:AlternateContent>
+        <mc:AlternateContent xmlns:mc="http://schemas.openxmlformats.org/markup-compatibility/2006">
+          <mc:Choice xmlns:a14="http://schemas.microsoft.com/office/drawing/2010/main" Requires="a14">
+            <p:sp>
+              <p:nvSpPr>
+                <p:cNvPr id="8" name="楕円 7">
+                  <a:extLst>
+                    <a:ext uri="{FF2B5EF4-FFF2-40B4-BE49-F238E27FC236}">
+                      <a16:creationId xmlns:a16="http://schemas.microsoft.com/office/drawing/2014/main" id="{559B7D77-7742-41D7-BBFB-39E6FA9A1C71}"/>
+                    </a:ext>
+                  </a:extLst>
+                </p:cNvPr>
+                <p:cNvSpPr/>
+                <p:nvPr/>
+              </p:nvSpPr>
+              <p:spPr>
+                <a:xfrm>
+                  <a:off x="4125540" y="3867991"/>
+                  <a:ext cx="540000" cy="540000"/>
+                </a:xfrm>
+                <a:prstGeom prst="ellipse">
+                  <a:avLst/>
+                </a:prstGeom>
+                <a:solidFill>
+                  <a:schemeClr val="bg1">
+                    <a:lumMod val="85000"/>
+                  </a:schemeClr>
+                </a:solidFill>
+                <a:ln>
+                  <a:solidFill>
+                    <a:schemeClr val="tx1"/>
+                  </a:solidFill>
+                </a:ln>
+              </p:spPr>
+              <p:style>
+                <a:lnRef idx="2">
+                  <a:schemeClr val="accent1">
+                    <a:shade val="50000"/>
+                  </a:schemeClr>
+                </a:lnRef>
+                <a:fillRef idx="1">
+                  <a:schemeClr val="accent1"/>
+                </a:fillRef>
+                <a:effectRef idx="0">
+                  <a:schemeClr val="accent1"/>
+                </a:effectRef>
+                <a:fontRef idx="minor">
+                  <a:schemeClr val="lt1"/>
+                </a:fontRef>
+              </p:style>
+              <p:txBody>
+                <a:bodyPr rtlCol="0" anchor="ctr"/>
+                <a:lstStyle/>
+                <a:p>
+                  <a:pPr algn="ctr"/>
+                  <a14:m>
+                    <m:oMathPara xmlns:m="http://schemas.openxmlformats.org/officeDocument/2006/math">
+                      <m:oMathParaPr>
+                        <m:jc m:val="center"/>
+                      </m:oMathParaPr>
+                      <m:oMath xmlns:m="http://schemas.openxmlformats.org/officeDocument/2006/math">
+                        <m:sSub>
+                          <m:sSubPr>
+                            <m:ctrlPr>
+                              <a:rPr kumimoji="1" lang="en-US" altLang="ja-JP" sz="1600" b="0" i="1" smtClean="0">
+                                <a:solidFill>
+                                  <a:schemeClr val="tx1"/>
+                                </a:solidFill>
+                                <a:latin typeface="Cambria Math" panose="02040503050406030204" pitchFamily="18" charset="0"/>
+                              </a:rPr>
+                            </m:ctrlPr>
+                          </m:sSubPr>
+                          <m:e>
+                            <m:r>
+                              <a:rPr kumimoji="1" lang="en-US" altLang="ja-JP" sz="1600" b="0" i="1" smtClean="0">
+                                <a:solidFill>
+                                  <a:schemeClr val="tx1"/>
+                                </a:solidFill>
+                                <a:latin typeface="Cambria Math" panose="02040503050406030204" pitchFamily="18" charset="0"/>
+                              </a:rPr>
+                              <m:t>𝑧</m:t>
+                            </m:r>
+                          </m:e>
+                          <m:sub>
+                            <m:r>
+                              <a:rPr kumimoji="1" lang="en-US" altLang="ja-JP" sz="1600" b="0" i="1" smtClean="0">
+                                <a:solidFill>
+                                  <a:schemeClr val="tx1"/>
+                                </a:solidFill>
+                                <a:latin typeface="Cambria Math" panose="02040503050406030204" pitchFamily="18" charset="0"/>
+                              </a:rPr>
+                              <m:t>𝑡</m:t>
+                            </m:r>
+                            <m:r>
+                              <a:rPr kumimoji="1" lang="en-US" altLang="ja-JP" sz="1600" b="0" i="1" smtClean="0">
+                                <a:solidFill>
+                                  <a:schemeClr val="tx1"/>
+                                </a:solidFill>
+                                <a:latin typeface="Cambria Math" panose="02040503050406030204" pitchFamily="18" charset="0"/>
+                              </a:rPr>
+                              <m:t>−1</m:t>
+                            </m:r>
+                          </m:sub>
+                        </m:sSub>
+                      </m:oMath>
+                    </m:oMathPara>
+                  </a14:m>
+                  <a:endParaRPr kumimoji="1" lang="ja-JP" altLang="en-US" sz="1600" dirty="0">
+                    <a:solidFill>
+                      <a:schemeClr val="tx1"/>
+                    </a:solidFill>
+                  </a:endParaRPr>
+                </a:p>
+              </p:txBody>
+            </p:sp>
+          </mc:Choice>
+          <mc:Fallback>
+            <p:sp>
+              <p:nvSpPr>
+                <p:cNvPr id="8" name="楕円 7">
+                  <a:extLst>
+                    <a:ext uri="{FF2B5EF4-FFF2-40B4-BE49-F238E27FC236}">
+                      <a16:creationId xmlns:a16="http://schemas.microsoft.com/office/drawing/2014/main" id="{559B7D77-7742-41D7-BBFB-39E6FA9A1C71}"/>
+                    </a:ext>
+                  </a:extLst>
+                </p:cNvPr>
+                <p:cNvSpPr>
+                  <a:spLocks noRot="1" noChangeAspect="1" noMove="1" noResize="1" noEditPoints="1" noAdjustHandles="1" noChangeArrowheads="1" noChangeShapeType="1" noTextEdit="1"/>
+                </p:cNvSpPr>
+                <p:nvPr/>
+              </p:nvSpPr>
+              <p:spPr>
+                <a:xfrm>
+                  <a:off x="4125540" y="3867991"/>
+                  <a:ext cx="540000" cy="540000"/>
+                </a:xfrm>
+                <a:prstGeom prst="ellipse">
+                  <a:avLst/>
+                </a:prstGeom>
+                <a:blipFill>
+                  <a:blip r:embed="rId5"/>
+                  <a:stretch>
+                    <a:fillRect/>
+                  </a:stretch>
+                </a:blipFill>
+                <a:ln>
+                  <a:solidFill>
+                    <a:schemeClr val="tx1"/>
+                  </a:solidFill>
+                </a:ln>
+              </p:spPr>
+              <p:txBody>
+                <a:bodyPr/>
+                <a:lstStyle/>
+                <a:p>
+                  <a:r>
+                    <a:rPr lang="ja-JP" altLang="en-US">
+                      <a:noFill/>
+                    </a:rPr>
+                    <a:t> </a:t>
+                  </a:r>
+                </a:p>
+              </p:txBody>
+            </p:sp>
+          </mc:Fallback>
+        </mc:AlternateContent>
+        <mc:AlternateContent xmlns:mc="http://schemas.openxmlformats.org/markup-compatibility/2006">
+          <mc:Choice xmlns:a14="http://schemas.microsoft.com/office/drawing/2010/main" Requires="a14">
+            <p:sp>
+              <p:nvSpPr>
+                <p:cNvPr id="9" name="楕円 8">
+                  <a:extLst>
+                    <a:ext uri="{FF2B5EF4-FFF2-40B4-BE49-F238E27FC236}">
+                      <a16:creationId xmlns:a16="http://schemas.microsoft.com/office/drawing/2014/main" id="{86F6AD7F-97DE-41A4-8E06-BAC87576D8EB}"/>
+                    </a:ext>
+                  </a:extLst>
+                </p:cNvPr>
+                <p:cNvSpPr/>
+                <p:nvPr/>
+              </p:nvSpPr>
+              <p:spPr>
+                <a:xfrm>
+                  <a:off x="5811406" y="3867991"/>
+                  <a:ext cx="540000" cy="540000"/>
+                </a:xfrm>
+                <a:prstGeom prst="ellipse">
+                  <a:avLst/>
+                </a:prstGeom>
+                <a:solidFill>
+                  <a:schemeClr val="bg1">
+                    <a:lumMod val="85000"/>
+                  </a:schemeClr>
+                </a:solidFill>
+                <a:ln>
+                  <a:solidFill>
+                    <a:schemeClr val="tx1"/>
+                  </a:solidFill>
+                </a:ln>
+              </p:spPr>
+              <p:style>
+                <a:lnRef idx="2">
+                  <a:schemeClr val="accent1">
+                    <a:shade val="50000"/>
+                  </a:schemeClr>
+                </a:lnRef>
+                <a:fillRef idx="1">
+                  <a:schemeClr val="accent1"/>
+                </a:fillRef>
+                <a:effectRef idx="0">
+                  <a:schemeClr val="accent1"/>
+                </a:effectRef>
+                <a:fontRef idx="minor">
+                  <a:schemeClr val="lt1"/>
+                </a:fontRef>
+              </p:style>
+              <p:txBody>
+                <a:bodyPr rtlCol="0" anchor="ctr"/>
+                <a:lstStyle/>
+                <a:p>
+                  <a:pPr algn="ctr"/>
+                  <a14:m>
+                    <m:oMathPara xmlns:m="http://schemas.openxmlformats.org/officeDocument/2006/math">
+                      <m:oMathParaPr>
+                        <m:jc m:val="center"/>
+                      </m:oMathParaPr>
+                      <m:oMath xmlns:m="http://schemas.openxmlformats.org/officeDocument/2006/math">
+                        <m:sSub>
+                          <m:sSubPr>
+                            <m:ctrlPr>
+                              <a:rPr kumimoji="1" lang="en-US" altLang="ja-JP" sz="1600" b="0" i="1" smtClean="0">
+                                <a:solidFill>
+                                  <a:schemeClr val="tx1"/>
+                                </a:solidFill>
+                                <a:latin typeface="Cambria Math" panose="02040503050406030204" pitchFamily="18" charset="0"/>
+                              </a:rPr>
+                            </m:ctrlPr>
+                          </m:sSubPr>
+                          <m:e>
+                            <m:r>
+                              <a:rPr kumimoji="1" lang="en-US" altLang="ja-JP" sz="1600" b="0" i="1" smtClean="0">
+                                <a:solidFill>
+                                  <a:schemeClr val="tx1"/>
+                                </a:solidFill>
+                                <a:latin typeface="Cambria Math" panose="02040503050406030204" pitchFamily="18" charset="0"/>
+                              </a:rPr>
+                              <m:t>𝑧</m:t>
+                            </m:r>
+                          </m:e>
+                          <m:sub>
+                            <m:r>
+                              <a:rPr kumimoji="1" lang="en-US" altLang="ja-JP" sz="1600" b="0" i="1" smtClean="0">
+                                <a:solidFill>
+                                  <a:schemeClr val="tx1"/>
+                                </a:solidFill>
+                                <a:latin typeface="Cambria Math" panose="02040503050406030204" pitchFamily="18" charset="0"/>
+                              </a:rPr>
+                              <m:t>𝑡</m:t>
+                            </m:r>
+                          </m:sub>
+                        </m:sSub>
+                      </m:oMath>
+                    </m:oMathPara>
+                  </a14:m>
+                  <a:endParaRPr kumimoji="1" lang="ja-JP" altLang="en-US" sz="1600" dirty="0">
+                    <a:solidFill>
+                      <a:schemeClr val="tx1"/>
+                    </a:solidFill>
+                  </a:endParaRPr>
+                </a:p>
+              </p:txBody>
+            </p:sp>
+          </mc:Choice>
+          <mc:Fallback>
+            <p:sp>
+              <p:nvSpPr>
+                <p:cNvPr id="9" name="楕円 8">
+                  <a:extLst>
+                    <a:ext uri="{FF2B5EF4-FFF2-40B4-BE49-F238E27FC236}">
+                      <a16:creationId xmlns:a16="http://schemas.microsoft.com/office/drawing/2014/main" id="{86F6AD7F-97DE-41A4-8E06-BAC87576D8EB}"/>
+                    </a:ext>
+                  </a:extLst>
+                </p:cNvPr>
+                <p:cNvSpPr>
+                  <a:spLocks noRot="1" noChangeAspect="1" noMove="1" noResize="1" noEditPoints="1" noAdjustHandles="1" noChangeArrowheads="1" noChangeShapeType="1" noTextEdit="1"/>
+                </p:cNvSpPr>
+                <p:nvPr/>
+              </p:nvSpPr>
+              <p:spPr>
+                <a:xfrm>
+                  <a:off x="5811406" y="3867991"/>
+                  <a:ext cx="540000" cy="540000"/>
+                </a:xfrm>
+                <a:prstGeom prst="ellipse">
+                  <a:avLst/>
+                </a:prstGeom>
+                <a:blipFill>
+                  <a:blip r:embed="rId6"/>
+                  <a:stretch>
+                    <a:fillRect/>
+                  </a:stretch>
+                </a:blipFill>
+                <a:ln>
+                  <a:solidFill>
+                    <a:schemeClr val="tx1"/>
+                  </a:solidFill>
+                </a:ln>
+              </p:spPr>
+              <p:txBody>
+                <a:bodyPr/>
+                <a:lstStyle/>
+                <a:p>
+                  <a:r>
+                    <a:rPr lang="ja-JP" altLang="en-US">
+                      <a:noFill/>
+                    </a:rPr>
+                    <a:t> </a:t>
+                  </a:r>
+                </a:p>
+              </p:txBody>
+            </p:sp>
+          </mc:Fallback>
+        </mc:AlternateContent>
+        <mc:AlternateContent xmlns:mc="http://schemas.openxmlformats.org/markup-compatibility/2006">
+          <mc:Choice xmlns:a14="http://schemas.microsoft.com/office/drawing/2010/main" Requires="a14">
+            <p:sp>
+              <p:nvSpPr>
+                <p:cNvPr id="10" name="楕円 9">
+                  <a:extLst>
+                    <a:ext uri="{FF2B5EF4-FFF2-40B4-BE49-F238E27FC236}">
+                      <a16:creationId xmlns:a16="http://schemas.microsoft.com/office/drawing/2014/main" id="{CAF37C6C-F72B-4A31-A931-C346EDDF7080}"/>
+                    </a:ext>
+                  </a:extLst>
+                </p:cNvPr>
+                <p:cNvSpPr/>
+                <p:nvPr/>
+              </p:nvSpPr>
+              <p:spPr>
+                <a:xfrm>
+                  <a:off x="7497272" y="3867991"/>
+                  <a:ext cx="540000" cy="540000"/>
+                </a:xfrm>
+                <a:prstGeom prst="ellipse">
+                  <a:avLst/>
+                </a:prstGeom>
+                <a:solidFill>
+                  <a:schemeClr val="bg1">
+                    <a:lumMod val="85000"/>
+                  </a:schemeClr>
+                </a:solidFill>
+                <a:ln>
+                  <a:solidFill>
+                    <a:schemeClr val="tx1"/>
+                  </a:solidFill>
+                </a:ln>
+              </p:spPr>
+              <p:style>
+                <a:lnRef idx="2">
+                  <a:schemeClr val="accent1">
+                    <a:shade val="50000"/>
+                  </a:schemeClr>
+                </a:lnRef>
+                <a:fillRef idx="1">
+                  <a:schemeClr val="accent1"/>
+                </a:fillRef>
+                <a:effectRef idx="0">
+                  <a:schemeClr val="accent1"/>
+                </a:effectRef>
+                <a:fontRef idx="minor">
+                  <a:schemeClr val="lt1"/>
+                </a:fontRef>
+              </p:style>
+              <p:txBody>
+                <a:bodyPr rtlCol="0" anchor="ctr"/>
+                <a:lstStyle/>
+                <a:p>
+                  <a:pPr algn="ctr"/>
+                  <a14:m>
+                    <m:oMathPara xmlns:m="http://schemas.openxmlformats.org/officeDocument/2006/math">
+                      <m:oMathParaPr>
+                        <m:jc m:val="center"/>
+                      </m:oMathParaPr>
+                      <m:oMath xmlns:m="http://schemas.openxmlformats.org/officeDocument/2006/math">
+                        <m:sSub>
+                          <m:sSubPr>
+                            <m:ctrlPr>
+                              <a:rPr kumimoji="1" lang="en-US" altLang="ja-JP" sz="1600" b="0" i="1" smtClean="0">
+                                <a:solidFill>
+                                  <a:schemeClr val="tx1"/>
+                                </a:solidFill>
+                                <a:latin typeface="Cambria Math" panose="02040503050406030204" pitchFamily="18" charset="0"/>
+                              </a:rPr>
+                            </m:ctrlPr>
+                          </m:sSubPr>
+                          <m:e>
+                            <m:r>
+                              <a:rPr kumimoji="1" lang="en-US" altLang="ja-JP" sz="1600" b="0" i="1" smtClean="0">
+                                <a:solidFill>
+                                  <a:schemeClr val="tx1"/>
+                                </a:solidFill>
+                                <a:latin typeface="Cambria Math" panose="02040503050406030204" pitchFamily="18" charset="0"/>
+                              </a:rPr>
+                              <m:t>𝑧</m:t>
+                            </m:r>
+                          </m:e>
+                          <m:sub>
+                            <m:r>
+                              <a:rPr kumimoji="1" lang="en-US" altLang="ja-JP" sz="1600" b="0" i="1" smtClean="0">
+                                <a:solidFill>
+                                  <a:schemeClr val="tx1"/>
+                                </a:solidFill>
+                                <a:latin typeface="Cambria Math" panose="02040503050406030204" pitchFamily="18" charset="0"/>
+                              </a:rPr>
+                              <m:t>𝑡</m:t>
+                            </m:r>
+                            <m:r>
+                              <a:rPr kumimoji="1" lang="en-US" altLang="ja-JP" sz="1600" b="0" i="1" smtClean="0">
+                                <a:solidFill>
+                                  <a:schemeClr val="tx1"/>
+                                </a:solidFill>
+                                <a:latin typeface="Cambria Math" panose="02040503050406030204" pitchFamily="18" charset="0"/>
+                              </a:rPr>
+                              <m:t>+1</m:t>
+                            </m:r>
+                          </m:sub>
+                        </m:sSub>
+                      </m:oMath>
+                    </m:oMathPara>
+                  </a14:m>
+                  <a:endParaRPr kumimoji="1" lang="ja-JP" altLang="en-US" sz="1600" dirty="0">
+                    <a:solidFill>
+                      <a:schemeClr val="tx1"/>
+                    </a:solidFill>
+                  </a:endParaRPr>
+                </a:p>
+              </p:txBody>
+            </p:sp>
+          </mc:Choice>
+          <mc:Fallback>
+            <p:sp>
+              <p:nvSpPr>
+                <p:cNvPr id="10" name="楕円 9">
+                  <a:extLst>
+                    <a:ext uri="{FF2B5EF4-FFF2-40B4-BE49-F238E27FC236}">
+                      <a16:creationId xmlns:a16="http://schemas.microsoft.com/office/drawing/2014/main" id="{CAF37C6C-F72B-4A31-A931-C346EDDF7080}"/>
+                    </a:ext>
+                  </a:extLst>
+                </p:cNvPr>
+                <p:cNvSpPr>
+                  <a:spLocks noRot="1" noChangeAspect="1" noMove="1" noResize="1" noEditPoints="1" noAdjustHandles="1" noChangeArrowheads="1" noChangeShapeType="1" noTextEdit="1"/>
+                </p:cNvSpPr>
+                <p:nvPr/>
+              </p:nvSpPr>
+              <p:spPr>
+                <a:xfrm>
+                  <a:off x="7497272" y="3867991"/>
+                  <a:ext cx="540000" cy="540000"/>
+                </a:xfrm>
+                <a:prstGeom prst="ellipse">
+                  <a:avLst/>
+                </a:prstGeom>
+                <a:blipFill>
+                  <a:blip r:embed="rId7"/>
+                  <a:stretch>
+                    <a:fillRect/>
+                  </a:stretch>
+                </a:blipFill>
+                <a:ln>
+                  <a:solidFill>
+                    <a:schemeClr val="tx1"/>
+                  </a:solidFill>
+                </a:ln>
+              </p:spPr>
+              <p:txBody>
+                <a:bodyPr/>
+                <a:lstStyle/>
+                <a:p>
+                  <a:r>
+                    <a:rPr lang="ja-JP" altLang="en-US">
+                      <a:noFill/>
+                    </a:rPr>
+                    <a:t> </a:t>
+                  </a:r>
+                </a:p>
+              </p:txBody>
+            </p:sp>
+          </mc:Fallback>
+        </mc:AlternateContent>
+        <mc:AlternateContent xmlns:mc="http://schemas.openxmlformats.org/markup-compatibility/2006">
+          <mc:Choice xmlns:a14="http://schemas.microsoft.com/office/drawing/2010/main" Requires="a14">
+            <p:sp>
+              <p:nvSpPr>
+                <p:cNvPr id="11" name="楕円 10">
+                  <a:extLst>
+                    <a:ext uri="{FF2B5EF4-FFF2-40B4-BE49-F238E27FC236}">
+                      <a16:creationId xmlns:a16="http://schemas.microsoft.com/office/drawing/2014/main" id="{8F274124-69A9-41BF-ABFA-D85FA6D5BAB6}"/>
+                    </a:ext>
+                  </a:extLst>
+                </p:cNvPr>
+                <p:cNvSpPr/>
+                <p:nvPr/>
+              </p:nvSpPr>
+              <p:spPr>
+                <a:xfrm>
+                  <a:off x="4125540" y="2450009"/>
+                  <a:ext cx="540000" cy="540000"/>
+                </a:xfrm>
+                <a:prstGeom prst="ellipse">
+                  <a:avLst/>
+                </a:prstGeom>
+                <a:solidFill>
+                  <a:schemeClr val="bg1"/>
+                </a:solidFill>
+                <a:ln>
+                  <a:solidFill>
+                    <a:schemeClr val="tx1"/>
+                  </a:solidFill>
+                </a:ln>
+              </p:spPr>
+              <p:style>
+                <a:lnRef idx="2">
+                  <a:schemeClr val="accent1">
+                    <a:shade val="50000"/>
+                  </a:schemeClr>
+                </a:lnRef>
+                <a:fillRef idx="1">
+                  <a:schemeClr val="accent1"/>
+                </a:fillRef>
+                <a:effectRef idx="0">
+                  <a:schemeClr val="accent1"/>
+                </a:effectRef>
+                <a:fontRef idx="minor">
+                  <a:schemeClr val="lt1"/>
+                </a:fontRef>
+              </p:style>
+              <p:txBody>
+                <a:bodyPr rtlCol="0" anchor="ctr"/>
+                <a:lstStyle/>
+                <a:p>
+                  <a:pPr algn="ctr"/>
+                  <a14:m>
+                    <m:oMathPara xmlns:m="http://schemas.openxmlformats.org/officeDocument/2006/math">
+                      <m:oMathParaPr>
+                        <m:jc m:val="center"/>
+                      </m:oMathParaPr>
+                      <m:oMath xmlns:m="http://schemas.openxmlformats.org/officeDocument/2006/math">
+                        <m:sSub>
+                          <m:sSubPr>
+                            <m:ctrlPr>
+                              <a:rPr kumimoji="1" lang="en-US" altLang="ja-JP" sz="1600" b="0" i="1" smtClean="0">
+                                <a:solidFill>
+                                  <a:schemeClr val="tx1"/>
+                                </a:solidFill>
+                                <a:latin typeface="Cambria Math" panose="02040503050406030204" pitchFamily="18" charset="0"/>
+                              </a:rPr>
+                            </m:ctrlPr>
+                          </m:sSubPr>
+                          <m:e>
+                            <m:r>
+                              <a:rPr kumimoji="1" lang="en-US" altLang="ja-JP" sz="1600" b="0" i="1" smtClean="0">
+                                <a:solidFill>
+                                  <a:schemeClr val="tx1"/>
+                                </a:solidFill>
+                                <a:latin typeface="Cambria Math" panose="02040503050406030204" pitchFamily="18" charset="0"/>
+                              </a:rPr>
+                              <m:t>𝑥</m:t>
+                            </m:r>
+                          </m:e>
+                          <m:sub>
+                            <m:r>
+                              <a:rPr kumimoji="1" lang="en-US" altLang="ja-JP" sz="1600" b="0" i="1" smtClean="0">
+                                <a:solidFill>
+                                  <a:schemeClr val="tx1"/>
+                                </a:solidFill>
+                                <a:latin typeface="Cambria Math" panose="02040503050406030204" pitchFamily="18" charset="0"/>
+                              </a:rPr>
+                              <m:t>𝑡</m:t>
+                            </m:r>
+                            <m:r>
+                              <a:rPr kumimoji="1" lang="en-US" altLang="ja-JP" sz="1600" b="0" i="1" smtClean="0">
+                                <a:solidFill>
+                                  <a:schemeClr val="tx1"/>
+                                </a:solidFill>
+                                <a:latin typeface="Cambria Math" panose="02040503050406030204" pitchFamily="18" charset="0"/>
+                              </a:rPr>
+                              <m:t>−1</m:t>
+                            </m:r>
+                          </m:sub>
+                        </m:sSub>
+                      </m:oMath>
+                    </m:oMathPara>
+                  </a14:m>
+                  <a:endParaRPr kumimoji="1" lang="ja-JP" altLang="en-US" sz="1600" dirty="0">
+                    <a:solidFill>
+                      <a:schemeClr val="tx1"/>
+                    </a:solidFill>
+                  </a:endParaRPr>
+                </a:p>
+              </p:txBody>
+            </p:sp>
+          </mc:Choice>
+          <mc:Fallback>
+            <p:sp>
+              <p:nvSpPr>
+                <p:cNvPr id="11" name="楕円 10">
+                  <a:extLst>
+                    <a:ext uri="{FF2B5EF4-FFF2-40B4-BE49-F238E27FC236}">
+                      <a16:creationId xmlns:a16="http://schemas.microsoft.com/office/drawing/2014/main" id="{8F274124-69A9-41BF-ABFA-D85FA6D5BAB6}"/>
+                    </a:ext>
+                  </a:extLst>
+                </p:cNvPr>
+                <p:cNvSpPr>
+                  <a:spLocks noRot="1" noChangeAspect="1" noMove="1" noResize="1" noEditPoints="1" noAdjustHandles="1" noChangeArrowheads="1" noChangeShapeType="1" noTextEdit="1"/>
+                </p:cNvSpPr>
+                <p:nvPr/>
+              </p:nvSpPr>
+              <p:spPr>
+                <a:xfrm>
+                  <a:off x="4125540" y="2450009"/>
+                  <a:ext cx="540000" cy="540000"/>
+                </a:xfrm>
+                <a:prstGeom prst="ellipse">
+                  <a:avLst/>
+                </a:prstGeom>
+                <a:blipFill>
+                  <a:blip r:embed="rId8"/>
+                  <a:stretch>
+                    <a:fillRect/>
+                  </a:stretch>
+                </a:blipFill>
+                <a:ln>
+                  <a:solidFill>
+                    <a:schemeClr val="tx1"/>
+                  </a:solidFill>
+                </a:ln>
+              </p:spPr>
+              <p:txBody>
+                <a:bodyPr/>
+                <a:lstStyle/>
+                <a:p>
+                  <a:r>
+                    <a:rPr lang="ja-JP" altLang="en-US">
+                      <a:noFill/>
+                    </a:rPr>
+                    <a:t> </a:t>
+                  </a:r>
+                </a:p>
+              </p:txBody>
+            </p:sp>
+          </mc:Fallback>
+        </mc:AlternateContent>
+        <mc:AlternateContent xmlns:mc="http://schemas.openxmlformats.org/markup-compatibility/2006">
+          <mc:Choice xmlns:a14="http://schemas.microsoft.com/office/drawing/2010/main" Requires="a14">
+            <p:sp>
+              <p:nvSpPr>
+                <p:cNvPr id="12" name="楕円 11">
+                  <a:extLst>
+                    <a:ext uri="{FF2B5EF4-FFF2-40B4-BE49-F238E27FC236}">
+                      <a16:creationId xmlns:a16="http://schemas.microsoft.com/office/drawing/2014/main" id="{C1011FEE-E474-4A63-816D-4B3D5AEC9764}"/>
+                    </a:ext>
+                  </a:extLst>
+                </p:cNvPr>
+                <p:cNvSpPr/>
+                <p:nvPr/>
+              </p:nvSpPr>
+              <p:spPr>
+                <a:xfrm>
+                  <a:off x="5811406" y="2450009"/>
+                  <a:ext cx="540000" cy="540000"/>
+                </a:xfrm>
+                <a:prstGeom prst="ellipse">
+                  <a:avLst/>
+                </a:prstGeom>
+                <a:solidFill>
+                  <a:schemeClr val="bg1"/>
+                </a:solidFill>
+                <a:ln>
+                  <a:solidFill>
+                    <a:schemeClr val="tx1"/>
+                  </a:solidFill>
+                </a:ln>
+              </p:spPr>
+              <p:style>
+                <a:lnRef idx="2">
+                  <a:schemeClr val="accent1">
+                    <a:shade val="50000"/>
+                  </a:schemeClr>
+                </a:lnRef>
+                <a:fillRef idx="1">
+                  <a:schemeClr val="accent1"/>
+                </a:fillRef>
+                <a:effectRef idx="0">
+                  <a:schemeClr val="accent1"/>
+                </a:effectRef>
+                <a:fontRef idx="minor">
+                  <a:schemeClr val="lt1"/>
+                </a:fontRef>
+              </p:style>
+              <p:txBody>
+                <a:bodyPr rtlCol="0" anchor="ctr"/>
+                <a:lstStyle/>
+                <a:p>
+                  <a:pPr algn="ctr"/>
+                  <a14:m>
+                    <m:oMathPara xmlns:m="http://schemas.openxmlformats.org/officeDocument/2006/math">
+                      <m:oMathParaPr>
+                        <m:jc m:val="center"/>
+                      </m:oMathParaPr>
+                      <m:oMath xmlns:m="http://schemas.openxmlformats.org/officeDocument/2006/math">
+                        <m:sSub>
+                          <m:sSubPr>
+                            <m:ctrlPr>
+                              <a:rPr kumimoji="1" lang="en-US" altLang="ja-JP" sz="1600" b="0" i="1" smtClean="0">
+                                <a:solidFill>
+                                  <a:schemeClr val="tx1"/>
+                                </a:solidFill>
+                                <a:latin typeface="Cambria Math" panose="02040503050406030204" pitchFamily="18" charset="0"/>
+                              </a:rPr>
+                            </m:ctrlPr>
+                          </m:sSubPr>
+                          <m:e>
+                            <m:r>
+                              <a:rPr kumimoji="1" lang="en-US" altLang="ja-JP" sz="1600" b="0" i="1" smtClean="0">
+                                <a:solidFill>
+                                  <a:schemeClr val="tx1"/>
+                                </a:solidFill>
+                                <a:latin typeface="Cambria Math" panose="02040503050406030204" pitchFamily="18" charset="0"/>
+                              </a:rPr>
+                              <m:t>𝑥</m:t>
+                            </m:r>
+                          </m:e>
+                          <m:sub>
+                            <m:r>
+                              <a:rPr kumimoji="1" lang="en-US" altLang="ja-JP" sz="1600" b="0" i="1" smtClean="0">
+                                <a:solidFill>
+                                  <a:schemeClr val="tx1"/>
+                                </a:solidFill>
+                                <a:latin typeface="Cambria Math" panose="02040503050406030204" pitchFamily="18" charset="0"/>
+                              </a:rPr>
+                              <m:t>𝑡</m:t>
+                            </m:r>
+                          </m:sub>
+                        </m:sSub>
+                      </m:oMath>
+                    </m:oMathPara>
+                  </a14:m>
+                  <a:endParaRPr kumimoji="1" lang="ja-JP" altLang="en-US" sz="1600" dirty="0">
+                    <a:solidFill>
+                      <a:schemeClr val="tx1"/>
+                    </a:solidFill>
+                  </a:endParaRPr>
+                </a:p>
+              </p:txBody>
+            </p:sp>
+          </mc:Choice>
+          <mc:Fallback>
+            <p:sp>
+              <p:nvSpPr>
+                <p:cNvPr id="12" name="楕円 11">
+                  <a:extLst>
+                    <a:ext uri="{FF2B5EF4-FFF2-40B4-BE49-F238E27FC236}">
+                      <a16:creationId xmlns:a16="http://schemas.microsoft.com/office/drawing/2014/main" id="{C1011FEE-E474-4A63-816D-4B3D5AEC9764}"/>
+                    </a:ext>
+                  </a:extLst>
+                </p:cNvPr>
+                <p:cNvSpPr>
+                  <a:spLocks noRot="1" noChangeAspect="1" noMove="1" noResize="1" noEditPoints="1" noAdjustHandles="1" noChangeArrowheads="1" noChangeShapeType="1" noTextEdit="1"/>
+                </p:cNvSpPr>
+                <p:nvPr/>
+              </p:nvSpPr>
+              <p:spPr>
+                <a:xfrm>
+                  <a:off x="5811406" y="2450009"/>
+                  <a:ext cx="540000" cy="540000"/>
+                </a:xfrm>
+                <a:prstGeom prst="ellipse">
+                  <a:avLst/>
+                </a:prstGeom>
+                <a:blipFill>
+                  <a:blip r:embed="rId9"/>
+                  <a:stretch>
+                    <a:fillRect/>
+                  </a:stretch>
+                </a:blipFill>
+                <a:ln>
+                  <a:solidFill>
+                    <a:schemeClr val="tx1"/>
+                  </a:solidFill>
+                </a:ln>
+              </p:spPr>
+              <p:txBody>
+                <a:bodyPr/>
+                <a:lstStyle/>
+                <a:p>
+                  <a:r>
+                    <a:rPr lang="ja-JP" altLang="en-US">
+                      <a:noFill/>
+                    </a:rPr>
+                    <a:t> </a:t>
+                  </a:r>
+                </a:p>
+              </p:txBody>
+            </p:sp>
+          </mc:Fallback>
+        </mc:AlternateContent>
+        <mc:AlternateContent xmlns:mc="http://schemas.openxmlformats.org/markup-compatibility/2006">
+          <mc:Choice xmlns:a14="http://schemas.microsoft.com/office/drawing/2010/main" Requires="a14">
+            <p:sp>
+              <p:nvSpPr>
+                <p:cNvPr id="13" name="楕円 12">
+                  <a:extLst>
+                    <a:ext uri="{FF2B5EF4-FFF2-40B4-BE49-F238E27FC236}">
+                      <a16:creationId xmlns:a16="http://schemas.microsoft.com/office/drawing/2014/main" id="{3F2F5898-F8FE-4656-9D53-D742FF8250F9}"/>
+                    </a:ext>
+                  </a:extLst>
+                </p:cNvPr>
+                <p:cNvSpPr/>
+                <p:nvPr/>
+              </p:nvSpPr>
+              <p:spPr>
+                <a:xfrm>
+                  <a:off x="7497272" y="2450009"/>
+                  <a:ext cx="540000" cy="540000"/>
+                </a:xfrm>
+                <a:prstGeom prst="ellipse">
+                  <a:avLst/>
+                </a:prstGeom>
+                <a:solidFill>
+                  <a:schemeClr val="bg1"/>
+                </a:solidFill>
+                <a:ln>
+                  <a:solidFill>
+                    <a:schemeClr val="tx1"/>
+                  </a:solidFill>
+                </a:ln>
+              </p:spPr>
+              <p:style>
+                <a:lnRef idx="2">
+                  <a:schemeClr val="accent1">
+                    <a:shade val="50000"/>
+                  </a:schemeClr>
+                </a:lnRef>
+                <a:fillRef idx="1">
+                  <a:schemeClr val="accent1"/>
+                </a:fillRef>
+                <a:effectRef idx="0">
+                  <a:schemeClr val="accent1"/>
+                </a:effectRef>
+                <a:fontRef idx="minor">
+                  <a:schemeClr val="lt1"/>
+                </a:fontRef>
+              </p:style>
+              <p:txBody>
+                <a:bodyPr rtlCol="0" anchor="ctr"/>
+                <a:lstStyle/>
+                <a:p>
+                  <a:pPr algn="ctr"/>
+                  <a14:m>
+                    <m:oMathPara xmlns:m="http://schemas.openxmlformats.org/officeDocument/2006/math">
+                      <m:oMathParaPr>
+                        <m:jc m:val="center"/>
+                      </m:oMathParaPr>
+                      <m:oMath xmlns:m="http://schemas.openxmlformats.org/officeDocument/2006/math">
+                        <m:sSub>
+                          <m:sSubPr>
+                            <m:ctrlPr>
+                              <a:rPr kumimoji="1" lang="en-US" altLang="ja-JP" sz="1600" b="0" i="1" smtClean="0">
+                                <a:solidFill>
+                                  <a:schemeClr val="tx1"/>
+                                </a:solidFill>
+                                <a:latin typeface="Cambria Math" panose="02040503050406030204" pitchFamily="18" charset="0"/>
+                              </a:rPr>
+                            </m:ctrlPr>
+                          </m:sSubPr>
+                          <m:e>
+                            <m:r>
+                              <a:rPr kumimoji="1" lang="en-US" altLang="ja-JP" sz="1600" b="0" i="1" smtClean="0">
+                                <a:solidFill>
+                                  <a:schemeClr val="tx1"/>
+                                </a:solidFill>
+                                <a:latin typeface="Cambria Math" panose="02040503050406030204" pitchFamily="18" charset="0"/>
+                              </a:rPr>
+                              <m:t>𝑥</m:t>
+                            </m:r>
+                          </m:e>
+                          <m:sub>
+                            <m:r>
+                              <a:rPr kumimoji="1" lang="en-US" altLang="ja-JP" sz="1600" b="0" i="1" smtClean="0">
+                                <a:solidFill>
+                                  <a:schemeClr val="tx1"/>
+                                </a:solidFill>
+                                <a:latin typeface="Cambria Math" panose="02040503050406030204" pitchFamily="18" charset="0"/>
+                              </a:rPr>
+                              <m:t>𝑡</m:t>
+                            </m:r>
+                            <m:r>
+                              <a:rPr kumimoji="1" lang="en-US" altLang="ja-JP" sz="1600" b="0" i="1" smtClean="0">
+                                <a:solidFill>
+                                  <a:schemeClr val="tx1"/>
+                                </a:solidFill>
+                                <a:latin typeface="Cambria Math" panose="02040503050406030204" pitchFamily="18" charset="0"/>
+                              </a:rPr>
+                              <m:t>+1</m:t>
+                            </m:r>
+                          </m:sub>
+                        </m:sSub>
+                      </m:oMath>
+                    </m:oMathPara>
+                  </a14:m>
+                  <a:endParaRPr kumimoji="1" lang="ja-JP" altLang="en-US" sz="1600" dirty="0">
+                    <a:solidFill>
+                      <a:schemeClr val="tx1"/>
+                    </a:solidFill>
+                  </a:endParaRPr>
+                </a:p>
+              </p:txBody>
+            </p:sp>
+          </mc:Choice>
+          <mc:Fallback>
+            <p:sp>
+              <p:nvSpPr>
+                <p:cNvPr id="13" name="楕円 12">
+                  <a:extLst>
+                    <a:ext uri="{FF2B5EF4-FFF2-40B4-BE49-F238E27FC236}">
+                      <a16:creationId xmlns:a16="http://schemas.microsoft.com/office/drawing/2014/main" id="{3F2F5898-F8FE-4656-9D53-D742FF8250F9}"/>
+                    </a:ext>
+                  </a:extLst>
+                </p:cNvPr>
+                <p:cNvSpPr>
+                  <a:spLocks noRot="1" noChangeAspect="1" noMove="1" noResize="1" noEditPoints="1" noAdjustHandles="1" noChangeArrowheads="1" noChangeShapeType="1" noTextEdit="1"/>
+                </p:cNvSpPr>
+                <p:nvPr/>
+              </p:nvSpPr>
+              <p:spPr>
+                <a:xfrm>
+                  <a:off x="7497272" y="2450009"/>
+                  <a:ext cx="540000" cy="540000"/>
+                </a:xfrm>
+                <a:prstGeom prst="ellipse">
+                  <a:avLst/>
+                </a:prstGeom>
+                <a:blipFill>
+                  <a:blip r:embed="rId10"/>
+                  <a:stretch>
+                    <a:fillRect/>
+                  </a:stretch>
+                </a:blipFill>
+                <a:ln>
+                  <a:solidFill>
+                    <a:schemeClr val="tx1"/>
+                  </a:solidFill>
+                </a:ln>
+              </p:spPr>
+              <p:txBody>
+                <a:bodyPr/>
+                <a:lstStyle/>
+                <a:p>
+                  <a:r>
+                    <a:rPr lang="ja-JP" altLang="en-US">
+                      <a:noFill/>
+                    </a:rPr>
+                    <a:t> </a:t>
+                  </a:r>
+                </a:p>
+              </p:txBody>
+            </p:sp>
+          </mc:Fallback>
+        </mc:AlternateContent>
+        <p:cxnSp>
+          <p:nvCxnSpPr>
+            <p:cNvPr id="14" name="直線矢印コネクタ 13">
+              <a:extLst>
+                <a:ext uri="{FF2B5EF4-FFF2-40B4-BE49-F238E27FC236}">
+                  <a16:creationId xmlns:a16="http://schemas.microsoft.com/office/drawing/2014/main" id="{28E10655-AA44-4485-933C-AA01D61B9A91}"/>
+                </a:ext>
+              </a:extLst>
+            </p:cNvPr>
+            <p:cNvCxnSpPr>
+              <a:stCxn id="5" idx="7"/>
+              <a:endCxn id="11" idx="3"/>
+            </p:cNvCxnSpPr>
+            <p:nvPr/>
+          </p:nvCxnSpPr>
+          <p:spPr>
+            <a:xfrm flipV="1">
+              <a:off x="3826352" y="2910928"/>
+              <a:ext cx="378269" cy="327153"/>
+            </a:xfrm>
+            <a:prstGeom prst="straightConnector1">
+              <a:avLst/>
+            </a:prstGeom>
+            <a:ln w="19050">
+              <a:solidFill>
+                <a:schemeClr val="tx1"/>
+              </a:solidFill>
+              <a:tailEnd type="triangle"/>
+            </a:ln>
+          </p:spPr>
+          <p:style>
+            <a:lnRef idx="1">
+              <a:schemeClr val="accent1"/>
+            </a:lnRef>
+            <a:fillRef idx="0">
+              <a:schemeClr val="accent1"/>
+            </a:fillRef>
+            <a:effectRef idx="0">
+              <a:schemeClr val="accent1"/>
+            </a:effectRef>
+            <a:fontRef idx="minor">
+              <a:schemeClr val="tx1"/>
+            </a:fontRef>
+          </p:style>
+        </p:cxnSp>
+        <p:cxnSp>
+          <p:nvCxnSpPr>
+            <p:cNvPr id="15" name="直線矢印コネクタ 14">
+              <a:extLst>
+                <a:ext uri="{FF2B5EF4-FFF2-40B4-BE49-F238E27FC236}">
+                  <a16:creationId xmlns:a16="http://schemas.microsoft.com/office/drawing/2014/main" id="{EBCEE5FC-89B8-4026-B127-B43DB0E081F8}"/>
+                </a:ext>
+              </a:extLst>
+            </p:cNvPr>
+            <p:cNvCxnSpPr>
+              <a:cxnSpLocks/>
+              <a:stCxn id="11" idx="6"/>
+              <a:endCxn id="12" idx="2"/>
+            </p:cNvCxnSpPr>
+            <p:nvPr/>
+          </p:nvCxnSpPr>
+          <p:spPr>
+            <a:xfrm>
+              <a:off x="4665540" y="2720009"/>
+              <a:ext cx="1145866" cy="0"/>
+            </a:xfrm>
+            <a:prstGeom prst="straightConnector1">
+              <a:avLst/>
+            </a:prstGeom>
+            <a:ln w="19050">
+              <a:solidFill>
+                <a:schemeClr val="tx1"/>
+              </a:solidFill>
+              <a:tailEnd type="triangle"/>
+            </a:ln>
+          </p:spPr>
+          <p:style>
+            <a:lnRef idx="1">
+              <a:schemeClr val="accent1"/>
+            </a:lnRef>
+            <a:fillRef idx="0">
+              <a:schemeClr val="accent1"/>
+            </a:fillRef>
+            <a:effectRef idx="0">
+              <a:schemeClr val="accent1"/>
+            </a:effectRef>
+            <a:fontRef idx="minor">
+              <a:schemeClr val="tx1"/>
+            </a:fontRef>
+          </p:style>
+        </p:cxnSp>
+        <p:cxnSp>
+          <p:nvCxnSpPr>
+            <p:cNvPr id="16" name="直線矢印コネクタ 15">
+              <a:extLst>
+                <a:ext uri="{FF2B5EF4-FFF2-40B4-BE49-F238E27FC236}">
+                  <a16:creationId xmlns:a16="http://schemas.microsoft.com/office/drawing/2014/main" id="{0D444459-CD40-4B9F-8E5C-F98DE5461A54}"/>
+                </a:ext>
+              </a:extLst>
+            </p:cNvPr>
+            <p:cNvCxnSpPr>
+              <a:cxnSpLocks/>
+              <a:stCxn id="12" idx="6"/>
+              <a:endCxn id="13" idx="2"/>
+            </p:cNvCxnSpPr>
+            <p:nvPr/>
+          </p:nvCxnSpPr>
+          <p:spPr>
+            <a:xfrm>
+              <a:off x="6351406" y="2720009"/>
+              <a:ext cx="1145866" cy="0"/>
+            </a:xfrm>
+            <a:prstGeom prst="straightConnector1">
+              <a:avLst/>
+            </a:prstGeom>
+            <a:ln w="19050">
+              <a:solidFill>
+                <a:schemeClr val="tx1"/>
+              </a:solidFill>
+              <a:tailEnd type="triangle"/>
+            </a:ln>
+          </p:spPr>
+          <p:style>
+            <a:lnRef idx="1">
+              <a:schemeClr val="accent1"/>
+            </a:lnRef>
+            <a:fillRef idx="0">
+              <a:schemeClr val="accent1"/>
+            </a:fillRef>
+            <a:effectRef idx="0">
+              <a:schemeClr val="accent1"/>
+            </a:effectRef>
+            <a:fontRef idx="minor">
+              <a:schemeClr val="tx1"/>
+            </a:fontRef>
+          </p:style>
+        </p:cxnSp>
+        <p:cxnSp>
+          <p:nvCxnSpPr>
+            <p:cNvPr id="17" name="直線矢印コネクタ 16">
+              <a:extLst>
+                <a:ext uri="{FF2B5EF4-FFF2-40B4-BE49-F238E27FC236}">
+                  <a16:creationId xmlns:a16="http://schemas.microsoft.com/office/drawing/2014/main" id="{573CE796-574E-44EF-B2C2-355B38C86CDC}"/>
+                </a:ext>
+              </a:extLst>
+            </p:cNvPr>
+            <p:cNvCxnSpPr>
+              <a:cxnSpLocks/>
+              <a:stCxn id="13" idx="6"/>
+              <a:endCxn id="33" idx="2"/>
+            </p:cNvCxnSpPr>
+            <p:nvPr/>
+          </p:nvCxnSpPr>
+          <p:spPr>
+            <a:xfrm>
+              <a:off x="8037272" y="2720009"/>
+              <a:ext cx="1145866" cy="0"/>
+            </a:xfrm>
+            <a:prstGeom prst="straightConnector1">
+              <a:avLst/>
+            </a:prstGeom>
+            <a:ln w="19050">
+              <a:solidFill>
+                <a:schemeClr val="tx1"/>
+              </a:solidFill>
+              <a:tailEnd type="triangle"/>
+            </a:ln>
+          </p:spPr>
+          <p:style>
+            <a:lnRef idx="1">
+              <a:schemeClr val="accent1"/>
+            </a:lnRef>
+            <a:fillRef idx="0">
+              <a:schemeClr val="accent1"/>
+            </a:fillRef>
+            <a:effectRef idx="0">
+              <a:schemeClr val="accent1"/>
+            </a:effectRef>
+            <a:fontRef idx="minor">
+              <a:schemeClr val="tx1"/>
+            </a:fontRef>
+          </p:style>
+        </p:cxnSp>
+        <p:cxnSp>
+          <p:nvCxnSpPr>
+            <p:cNvPr id="18" name="直線矢印コネクタ 17">
+              <a:extLst>
+                <a:ext uri="{FF2B5EF4-FFF2-40B4-BE49-F238E27FC236}">
+                  <a16:creationId xmlns:a16="http://schemas.microsoft.com/office/drawing/2014/main" id="{4873FDDF-F18A-4863-9276-A4C5E26A26F2}"/>
+                </a:ext>
+              </a:extLst>
+            </p:cNvPr>
+            <p:cNvCxnSpPr>
+              <a:cxnSpLocks/>
+              <a:stCxn id="25" idx="6"/>
+              <a:endCxn id="11" idx="2"/>
+            </p:cNvCxnSpPr>
+            <p:nvPr/>
+          </p:nvCxnSpPr>
+          <p:spPr>
+            <a:xfrm>
+              <a:off x="3008863" y="2720009"/>
+              <a:ext cx="1116677" cy="0"/>
+            </a:xfrm>
+            <a:prstGeom prst="straightConnector1">
+              <a:avLst/>
+            </a:prstGeom>
+            <a:ln w="19050">
+              <a:solidFill>
+                <a:schemeClr val="tx1"/>
+              </a:solidFill>
+              <a:tailEnd type="triangle"/>
+            </a:ln>
+          </p:spPr>
+          <p:style>
+            <a:lnRef idx="1">
+              <a:schemeClr val="accent1"/>
+            </a:lnRef>
+            <a:fillRef idx="0">
+              <a:schemeClr val="accent1"/>
+            </a:fillRef>
+            <a:effectRef idx="0">
+              <a:schemeClr val="accent1"/>
+            </a:effectRef>
+            <a:fontRef idx="minor">
+              <a:schemeClr val="tx1"/>
+            </a:fontRef>
+          </p:style>
+        </p:cxnSp>
+        <p:cxnSp>
+          <p:nvCxnSpPr>
+            <p:cNvPr id="19" name="直線矢印コネクタ 18">
+              <a:extLst>
+                <a:ext uri="{FF2B5EF4-FFF2-40B4-BE49-F238E27FC236}">
+                  <a16:creationId xmlns:a16="http://schemas.microsoft.com/office/drawing/2014/main" id="{49810077-EAD3-4AF1-AF42-A51707C3B78A}"/>
+                </a:ext>
+              </a:extLst>
+            </p:cNvPr>
+            <p:cNvCxnSpPr>
+              <a:cxnSpLocks/>
+              <a:stCxn id="6" idx="7"/>
+              <a:endCxn id="12" idx="3"/>
+            </p:cNvCxnSpPr>
+            <p:nvPr/>
+          </p:nvCxnSpPr>
+          <p:spPr>
+            <a:xfrm flipV="1">
+              <a:off x="5512218" y="2910928"/>
+              <a:ext cx="378269" cy="327153"/>
+            </a:xfrm>
+            <a:prstGeom prst="straightConnector1">
+              <a:avLst/>
+            </a:prstGeom>
+            <a:ln w="19050">
+              <a:solidFill>
+                <a:schemeClr val="tx1"/>
+              </a:solidFill>
+              <a:tailEnd type="triangle"/>
+            </a:ln>
+          </p:spPr>
+          <p:style>
+            <a:lnRef idx="1">
+              <a:schemeClr val="accent1"/>
+            </a:lnRef>
+            <a:fillRef idx="0">
+              <a:schemeClr val="accent1"/>
+            </a:fillRef>
+            <a:effectRef idx="0">
+              <a:schemeClr val="accent1"/>
+            </a:effectRef>
+            <a:fontRef idx="minor">
+              <a:schemeClr val="tx1"/>
+            </a:fontRef>
+          </p:style>
+        </p:cxnSp>
+        <p:cxnSp>
+          <p:nvCxnSpPr>
+            <p:cNvPr id="20" name="直線矢印コネクタ 19">
+              <a:extLst>
+                <a:ext uri="{FF2B5EF4-FFF2-40B4-BE49-F238E27FC236}">
+                  <a16:creationId xmlns:a16="http://schemas.microsoft.com/office/drawing/2014/main" id="{5B5C3B6C-70E7-44FC-AEF8-6AF190B7E815}"/>
+                </a:ext>
+              </a:extLst>
+            </p:cNvPr>
+            <p:cNvCxnSpPr>
+              <a:cxnSpLocks/>
+              <a:stCxn id="7" idx="7"/>
+              <a:endCxn id="13" idx="3"/>
+            </p:cNvCxnSpPr>
+            <p:nvPr/>
+          </p:nvCxnSpPr>
+          <p:spPr>
+            <a:xfrm flipV="1">
+              <a:off x="7198084" y="2910928"/>
+              <a:ext cx="378269" cy="327153"/>
+            </a:xfrm>
+            <a:prstGeom prst="straightConnector1">
+              <a:avLst/>
+            </a:prstGeom>
+            <a:ln w="19050">
+              <a:solidFill>
+                <a:schemeClr val="tx1"/>
+              </a:solidFill>
+              <a:tailEnd type="triangle"/>
+            </a:ln>
+          </p:spPr>
+          <p:style>
+            <a:lnRef idx="1">
+              <a:schemeClr val="accent1"/>
+            </a:lnRef>
+            <a:fillRef idx="0">
+              <a:schemeClr val="accent1"/>
+            </a:fillRef>
+            <a:effectRef idx="0">
+              <a:schemeClr val="accent1"/>
+            </a:effectRef>
+            <a:fontRef idx="minor">
+              <a:schemeClr val="tx1"/>
+            </a:fontRef>
+          </p:style>
+        </p:cxnSp>
+        <p:cxnSp>
+          <p:nvCxnSpPr>
+            <p:cNvPr id="21" name="直線矢印コネクタ 20">
+              <a:extLst>
+                <a:ext uri="{FF2B5EF4-FFF2-40B4-BE49-F238E27FC236}">
+                  <a16:creationId xmlns:a16="http://schemas.microsoft.com/office/drawing/2014/main" id="{D49E21D9-5097-4100-B375-B338458BFBE8}"/>
+                </a:ext>
+              </a:extLst>
+            </p:cNvPr>
+            <p:cNvCxnSpPr>
+              <a:cxnSpLocks/>
+              <a:stCxn id="11" idx="4"/>
+              <a:endCxn id="8" idx="0"/>
+            </p:cNvCxnSpPr>
+            <p:nvPr/>
+          </p:nvCxnSpPr>
+          <p:spPr>
+            <a:xfrm>
+              <a:off x="4395540" y="2990009"/>
+              <a:ext cx="0" cy="877982"/>
+            </a:xfrm>
+            <a:prstGeom prst="straightConnector1">
+              <a:avLst/>
+            </a:prstGeom>
+            <a:ln w="19050">
+              <a:solidFill>
+                <a:schemeClr val="tx1"/>
+              </a:solidFill>
+              <a:tailEnd type="triangle"/>
+            </a:ln>
+          </p:spPr>
+          <p:style>
+            <a:lnRef idx="1">
+              <a:schemeClr val="accent1"/>
+            </a:lnRef>
+            <a:fillRef idx="0">
+              <a:schemeClr val="accent1"/>
+            </a:fillRef>
+            <a:effectRef idx="0">
+              <a:schemeClr val="accent1"/>
+            </a:effectRef>
+            <a:fontRef idx="minor">
+              <a:schemeClr val="tx1"/>
+            </a:fontRef>
+          </p:style>
+        </p:cxnSp>
+        <p:cxnSp>
+          <p:nvCxnSpPr>
+            <p:cNvPr id="22" name="直線矢印コネクタ 21">
+              <a:extLst>
+                <a:ext uri="{FF2B5EF4-FFF2-40B4-BE49-F238E27FC236}">
+                  <a16:creationId xmlns:a16="http://schemas.microsoft.com/office/drawing/2014/main" id="{725C060E-5EA5-4AEC-ABBE-5F2C2A75DBE4}"/>
+                </a:ext>
+              </a:extLst>
+            </p:cNvPr>
+            <p:cNvCxnSpPr>
+              <a:cxnSpLocks/>
+              <a:stCxn id="12" idx="4"/>
+              <a:endCxn id="9" idx="0"/>
+            </p:cNvCxnSpPr>
+            <p:nvPr/>
+          </p:nvCxnSpPr>
+          <p:spPr>
+            <a:xfrm>
+              <a:off x="6081406" y="2990009"/>
+              <a:ext cx="0" cy="877982"/>
+            </a:xfrm>
+            <a:prstGeom prst="straightConnector1">
+              <a:avLst/>
+            </a:prstGeom>
+            <a:ln w="19050">
+              <a:solidFill>
+                <a:schemeClr val="tx1"/>
+              </a:solidFill>
+              <a:tailEnd type="triangle"/>
+            </a:ln>
+          </p:spPr>
+          <p:style>
+            <a:lnRef idx="1">
+              <a:schemeClr val="accent1"/>
+            </a:lnRef>
+            <a:fillRef idx="0">
+              <a:schemeClr val="accent1"/>
+            </a:fillRef>
+            <a:effectRef idx="0">
+              <a:schemeClr val="accent1"/>
+            </a:effectRef>
+            <a:fontRef idx="minor">
+              <a:schemeClr val="tx1"/>
+            </a:fontRef>
+          </p:style>
+        </p:cxnSp>
+        <p:cxnSp>
+          <p:nvCxnSpPr>
+            <p:cNvPr id="23" name="直線矢印コネクタ 22">
+              <a:extLst>
+                <a:ext uri="{FF2B5EF4-FFF2-40B4-BE49-F238E27FC236}">
+                  <a16:creationId xmlns:a16="http://schemas.microsoft.com/office/drawing/2014/main" id="{226C21D2-BBE5-47DE-ACE7-F84E39269999}"/>
+                </a:ext>
+              </a:extLst>
+            </p:cNvPr>
+            <p:cNvCxnSpPr>
+              <a:cxnSpLocks/>
+              <a:stCxn id="13" idx="4"/>
+              <a:endCxn id="10" idx="0"/>
+            </p:cNvCxnSpPr>
+            <p:nvPr/>
+          </p:nvCxnSpPr>
+          <p:spPr>
+            <a:xfrm>
+              <a:off x="7767272" y="2990009"/>
+              <a:ext cx="0" cy="877982"/>
+            </a:xfrm>
+            <a:prstGeom prst="straightConnector1">
+              <a:avLst/>
+            </a:prstGeom>
+            <a:ln w="19050">
+              <a:solidFill>
+                <a:schemeClr val="tx1"/>
+              </a:solidFill>
+              <a:tailEnd type="triangle"/>
+            </a:ln>
+          </p:spPr>
+          <p:style>
+            <a:lnRef idx="1">
+              <a:schemeClr val="accent1"/>
+            </a:lnRef>
+            <a:fillRef idx="0">
+              <a:schemeClr val="accent1"/>
+            </a:fillRef>
+            <a:effectRef idx="0">
+              <a:schemeClr val="accent1"/>
+            </a:effectRef>
+            <a:fontRef idx="minor">
+              <a:schemeClr val="tx1"/>
+            </a:fontRef>
+          </p:style>
+        </p:cxnSp>
+        <mc:AlternateContent xmlns:mc="http://schemas.openxmlformats.org/markup-compatibility/2006">
+          <mc:Choice xmlns:a14="http://schemas.microsoft.com/office/drawing/2010/main" Requires="a14">
+            <p:sp>
+              <p:nvSpPr>
+                <p:cNvPr id="25" name="楕円 24">
+                  <a:extLst>
+                    <a:ext uri="{FF2B5EF4-FFF2-40B4-BE49-F238E27FC236}">
+                      <a16:creationId xmlns:a16="http://schemas.microsoft.com/office/drawing/2014/main" id="{5227CA6A-76CF-46E2-B3BF-244FC8CC3FAB}"/>
+                    </a:ext>
+                  </a:extLst>
+                </p:cNvPr>
+                <p:cNvSpPr/>
+                <p:nvPr/>
+              </p:nvSpPr>
+              <p:spPr>
+                <a:xfrm>
+                  <a:off x="2468863" y="2450009"/>
+                  <a:ext cx="540000" cy="540000"/>
+                </a:xfrm>
+                <a:prstGeom prst="ellipse">
+                  <a:avLst/>
+                </a:prstGeom>
+                <a:noFill/>
+                <a:ln>
+                  <a:noFill/>
+                </a:ln>
+              </p:spPr>
+              <p:style>
+                <a:lnRef idx="2">
+                  <a:schemeClr val="accent1">
+                    <a:shade val="50000"/>
+                  </a:schemeClr>
+                </a:lnRef>
+                <a:fillRef idx="1">
+                  <a:schemeClr val="accent1"/>
+                </a:fillRef>
+                <a:effectRef idx="0">
+                  <a:schemeClr val="accent1"/>
+                </a:effectRef>
+                <a:fontRef idx="minor">
+                  <a:schemeClr val="lt1"/>
+                </a:fontRef>
+              </p:style>
+              <p:txBody>
+                <a:bodyPr rtlCol="0" anchor="ctr"/>
+                <a:lstStyle/>
+                <a:p>
+                  <a:pPr algn="ctr"/>
+                  <a14:m>
+                    <m:oMathPara xmlns:m="http://schemas.openxmlformats.org/officeDocument/2006/math">
+                      <m:oMathParaPr>
+                        <m:jc m:val="center"/>
+                      </m:oMathParaPr>
+                      <m:oMath xmlns:m="http://schemas.openxmlformats.org/officeDocument/2006/math">
+                        <m:r>
+                          <a:rPr kumimoji="1" lang="en-US" altLang="ja-JP" sz="2400" b="0" i="1" smtClean="0">
+                            <a:solidFill>
+                              <a:schemeClr val="tx1"/>
+                            </a:solidFill>
+                            <a:latin typeface="Cambria Math" panose="02040503050406030204" pitchFamily="18" charset="0"/>
+                          </a:rPr>
+                          <m:t>⋯</m:t>
+                        </m:r>
+                      </m:oMath>
+                    </m:oMathPara>
+                  </a14:m>
+                  <a:endParaRPr kumimoji="1" lang="ja-JP" altLang="en-US" sz="2400" dirty="0">
+                    <a:solidFill>
+                      <a:schemeClr val="tx1"/>
+                    </a:solidFill>
+                  </a:endParaRPr>
+                </a:p>
+              </p:txBody>
+            </p:sp>
+          </mc:Choice>
+          <mc:Fallback>
+            <p:sp>
+              <p:nvSpPr>
+                <p:cNvPr id="25" name="楕円 24">
+                  <a:extLst>
+                    <a:ext uri="{FF2B5EF4-FFF2-40B4-BE49-F238E27FC236}">
+                      <a16:creationId xmlns:a16="http://schemas.microsoft.com/office/drawing/2014/main" id="{5227CA6A-76CF-46E2-B3BF-244FC8CC3FAB}"/>
+                    </a:ext>
+                  </a:extLst>
+                </p:cNvPr>
+                <p:cNvSpPr>
+                  <a:spLocks noRot="1" noChangeAspect="1" noMove="1" noResize="1" noEditPoints="1" noAdjustHandles="1" noChangeArrowheads="1" noChangeShapeType="1" noTextEdit="1"/>
+                </p:cNvSpPr>
+                <p:nvPr/>
+              </p:nvSpPr>
+              <p:spPr>
+                <a:xfrm>
+                  <a:off x="2468863" y="2450009"/>
+                  <a:ext cx="540000" cy="540000"/>
+                </a:xfrm>
+                <a:prstGeom prst="ellipse">
+                  <a:avLst/>
+                </a:prstGeom>
+                <a:blipFill>
+                  <a:blip r:embed="rId11"/>
+                  <a:stretch>
+                    <a:fillRect/>
+                  </a:stretch>
+                </a:blipFill>
+                <a:ln>
+                  <a:noFill/>
+                </a:ln>
+              </p:spPr>
+              <p:txBody>
+                <a:bodyPr/>
+                <a:lstStyle/>
+                <a:p>
+                  <a:r>
+                    <a:rPr lang="ja-JP" altLang="en-US">
+                      <a:noFill/>
+                    </a:rPr>
+                    <a:t> </a:t>
+                  </a:r>
+                </a:p>
+              </p:txBody>
+            </p:sp>
+          </mc:Fallback>
+        </mc:AlternateContent>
+        <mc:AlternateContent xmlns:mc="http://schemas.openxmlformats.org/markup-compatibility/2006">
+          <mc:Choice xmlns:a14="http://schemas.microsoft.com/office/drawing/2010/main" Requires="a14">
+            <p:sp>
+              <p:nvSpPr>
+                <p:cNvPr id="26" name="楕円 25">
+                  <a:extLst>
+                    <a:ext uri="{FF2B5EF4-FFF2-40B4-BE49-F238E27FC236}">
+                      <a16:creationId xmlns:a16="http://schemas.microsoft.com/office/drawing/2014/main" id="{21A71A8F-3922-409B-8B63-9C65B457C06C}"/>
+                    </a:ext>
+                  </a:extLst>
+                </p:cNvPr>
+                <p:cNvSpPr/>
+                <p:nvPr/>
+              </p:nvSpPr>
+              <p:spPr>
+                <a:xfrm>
+                  <a:off x="4129878" y="5285973"/>
+                  <a:ext cx="540000" cy="540000"/>
+                </a:xfrm>
+                <a:prstGeom prst="ellipse">
+                  <a:avLst/>
+                </a:prstGeom>
+                <a:solidFill>
+                  <a:schemeClr val="bg1"/>
+                </a:solidFill>
+                <a:ln>
+                  <a:solidFill>
+                    <a:schemeClr val="tx1"/>
+                  </a:solidFill>
+                </a:ln>
+              </p:spPr>
+              <p:style>
+                <a:lnRef idx="2">
+                  <a:schemeClr val="accent1">
+                    <a:shade val="50000"/>
+                  </a:schemeClr>
+                </a:lnRef>
+                <a:fillRef idx="1">
+                  <a:schemeClr val="accent1"/>
+                </a:fillRef>
+                <a:effectRef idx="0">
+                  <a:schemeClr val="accent1"/>
+                </a:effectRef>
+                <a:fontRef idx="minor">
+                  <a:schemeClr val="lt1"/>
+                </a:fontRef>
+              </p:style>
+              <p:txBody>
+                <a:bodyPr rtlCol="0" anchor="ctr"/>
+                <a:lstStyle/>
+                <a:p>
+                  <a:pPr algn="ctr"/>
+                  <a14:m>
+                    <m:oMathPara xmlns:m="http://schemas.openxmlformats.org/officeDocument/2006/math">
+                      <m:oMathParaPr>
+                        <m:jc m:val="center"/>
+                      </m:oMathParaPr>
+                      <m:oMath xmlns:m="http://schemas.openxmlformats.org/officeDocument/2006/math">
+                        <m:sSub>
+                          <m:sSubPr>
+                            <m:ctrlPr>
+                              <a:rPr kumimoji="1" lang="en-US" altLang="ja-JP" sz="1600" b="0" i="1" smtClean="0">
+                                <a:solidFill>
+                                  <a:schemeClr val="tx1"/>
+                                </a:solidFill>
+                                <a:latin typeface="Cambria Math" panose="02040503050406030204" pitchFamily="18" charset="0"/>
+                              </a:rPr>
+                            </m:ctrlPr>
+                          </m:sSubPr>
+                          <m:e>
+                            <m:r>
+                              <a:rPr kumimoji="1" lang="en-US" altLang="ja-JP" sz="1600" b="0" i="1" smtClean="0">
+                                <a:solidFill>
+                                  <a:schemeClr val="tx1"/>
+                                </a:solidFill>
+                                <a:latin typeface="Cambria Math" panose="02040503050406030204" pitchFamily="18" charset="0"/>
+                              </a:rPr>
+                              <m:t>𝑚</m:t>
+                            </m:r>
+                          </m:e>
+                          <m:sub>
+                            <m:r>
+                              <a:rPr kumimoji="1" lang="en-US" altLang="ja-JP" sz="1600" b="0" i="1" smtClean="0">
+                                <a:solidFill>
+                                  <a:schemeClr val="tx1"/>
+                                </a:solidFill>
+                                <a:latin typeface="Cambria Math" panose="02040503050406030204" pitchFamily="18" charset="0"/>
+                              </a:rPr>
+                              <m:t>𝑖</m:t>
+                            </m:r>
+                          </m:sub>
+                        </m:sSub>
+                      </m:oMath>
+                    </m:oMathPara>
+                  </a14:m>
+                  <a:endParaRPr kumimoji="1" lang="ja-JP" altLang="en-US" sz="1600" dirty="0">
+                    <a:solidFill>
+                      <a:schemeClr val="tx1"/>
+                    </a:solidFill>
+                  </a:endParaRPr>
+                </a:p>
+              </p:txBody>
+            </p:sp>
+          </mc:Choice>
+          <mc:Fallback>
+            <p:sp>
+              <p:nvSpPr>
+                <p:cNvPr id="26" name="楕円 25">
+                  <a:extLst>
+                    <a:ext uri="{FF2B5EF4-FFF2-40B4-BE49-F238E27FC236}">
+                      <a16:creationId xmlns:a16="http://schemas.microsoft.com/office/drawing/2014/main" id="{21A71A8F-3922-409B-8B63-9C65B457C06C}"/>
+                    </a:ext>
+                  </a:extLst>
+                </p:cNvPr>
+                <p:cNvSpPr>
+                  <a:spLocks noRot="1" noChangeAspect="1" noMove="1" noResize="1" noEditPoints="1" noAdjustHandles="1" noChangeArrowheads="1" noChangeShapeType="1" noTextEdit="1"/>
+                </p:cNvSpPr>
+                <p:nvPr/>
+              </p:nvSpPr>
+              <p:spPr>
+                <a:xfrm>
+                  <a:off x="4129878" y="5285973"/>
+                  <a:ext cx="540000" cy="540000"/>
+                </a:xfrm>
+                <a:prstGeom prst="ellipse">
+                  <a:avLst/>
+                </a:prstGeom>
+                <a:blipFill>
+                  <a:blip r:embed="rId12"/>
+                  <a:stretch>
+                    <a:fillRect/>
+                  </a:stretch>
+                </a:blipFill>
+                <a:ln>
+                  <a:solidFill>
+                    <a:schemeClr val="tx1"/>
+                  </a:solidFill>
+                </a:ln>
+              </p:spPr>
+              <p:txBody>
+                <a:bodyPr/>
+                <a:lstStyle/>
+                <a:p>
+                  <a:r>
+                    <a:rPr lang="ja-JP" altLang="en-US">
+                      <a:noFill/>
+                    </a:rPr>
+                    <a:t> </a:t>
+                  </a:r>
+                </a:p>
+              </p:txBody>
+            </p:sp>
+          </mc:Fallback>
+        </mc:AlternateContent>
+        <p:cxnSp>
+          <p:nvCxnSpPr>
+            <p:cNvPr id="27" name="直線矢印コネクタ 26">
+              <a:extLst>
+                <a:ext uri="{FF2B5EF4-FFF2-40B4-BE49-F238E27FC236}">
+                  <a16:creationId xmlns:a16="http://schemas.microsoft.com/office/drawing/2014/main" id="{5F8074E9-CFDF-459D-BF1A-6380C5A4EB92}"/>
+                </a:ext>
+              </a:extLst>
+            </p:cNvPr>
+            <p:cNvCxnSpPr>
+              <a:cxnSpLocks/>
+              <a:stCxn id="26" idx="0"/>
+              <a:endCxn id="8" idx="4"/>
+            </p:cNvCxnSpPr>
+            <p:nvPr/>
+          </p:nvCxnSpPr>
+          <p:spPr>
+            <a:xfrm flipH="1" flipV="1">
+              <a:off x="4395540" y="4407991"/>
+              <a:ext cx="4338" cy="877982"/>
+            </a:xfrm>
+            <a:prstGeom prst="straightConnector1">
+              <a:avLst/>
+            </a:prstGeom>
+            <a:ln w="19050">
+              <a:solidFill>
+                <a:schemeClr val="tx1"/>
+              </a:solidFill>
+              <a:tailEnd type="triangle"/>
+            </a:ln>
+          </p:spPr>
+          <p:style>
+            <a:lnRef idx="1">
+              <a:schemeClr val="accent1"/>
+            </a:lnRef>
+            <a:fillRef idx="0">
+              <a:schemeClr val="accent1"/>
+            </a:fillRef>
+            <a:effectRef idx="0">
+              <a:schemeClr val="accent1"/>
+            </a:effectRef>
+            <a:fontRef idx="minor">
+              <a:schemeClr val="tx1"/>
+            </a:fontRef>
+          </p:style>
+        </p:cxnSp>
+        <mc:AlternateContent xmlns:mc="http://schemas.openxmlformats.org/markup-compatibility/2006">
+          <mc:Choice xmlns:a14="http://schemas.microsoft.com/office/drawing/2010/main" Requires="a14">
+            <p:sp>
+              <p:nvSpPr>
+                <p:cNvPr id="36" name="楕円 35">
+                  <a:extLst>
+                    <a:ext uri="{FF2B5EF4-FFF2-40B4-BE49-F238E27FC236}">
+                      <a16:creationId xmlns:a16="http://schemas.microsoft.com/office/drawing/2014/main" id="{3FB72E92-CF3A-4004-A70B-984779DC9893}"/>
+                    </a:ext>
+                  </a:extLst>
+                </p:cNvPr>
+                <p:cNvSpPr/>
+                <p:nvPr/>
+              </p:nvSpPr>
+              <p:spPr>
+                <a:xfrm>
+                  <a:off x="7497272" y="5285973"/>
+                  <a:ext cx="540000" cy="540000"/>
+                </a:xfrm>
+                <a:prstGeom prst="ellipse">
+                  <a:avLst/>
+                </a:prstGeom>
+                <a:solidFill>
+                  <a:schemeClr val="bg1"/>
+                </a:solidFill>
+                <a:ln>
+                  <a:solidFill>
+                    <a:schemeClr val="tx1"/>
+                  </a:solidFill>
+                </a:ln>
+              </p:spPr>
+              <p:style>
+                <a:lnRef idx="2">
+                  <a:schemeClr val="accent1">
+                    <a:shade val="50000"/>
+                  </a:schemeClr>
+                </a:lnRef>
+                <a:fillRef idx="1">
+                  <a:schemeClr val="accent1"/>
+                </a:fillRef>
+                <a:effectRef idx="0">
+                  <a:schemeClr val="accent1"/>
+                </a:effectRef>
+                <a:fontRef idx="minor">
+                  <a:schemeClr val="lt1"/>
+                </a:fontRef>
+              </p:style>
+              <p:txBody>
+                <a:bodyPr rtlCol="0" anchor="ctr"/>
+                <a:lstStyle/>
+                <a:p>
+                  <a:pPr algn="ctr"/>
+                  <a14:m>
+                    <m:oMathPara xmlns:m="http://schemas.openxmlformats.org/officeDocument/2006/math">
+                      <m:oMathParaPr>
+                        <m:jc m:val="center"/>
+                      </m:oMathParaPr>
+                      <m:oMath xmlns:m="http://schemas.openxmlformats.org/officeDocument/2006/math">
+                        <m:sSub>
+                          <m:sSubPr>
+                            <m:ctrlPr>
+                              <a:rPr kumimoji="1" lang="en-US" altLang="ja-JP" sz="1600" b="0" i="1" smtClean="0">
+                                <a:solidFill>
+                                  <a:schemeClr val="tx1"/>
+                                </a:solidFill>
+                                <a:latin typeface="Cambria Math" panose="02040503050406030204" pitchFamily="18" charset="0"/>
+                              </a:rPr>
+                            </m:ctrlPr>
+                          </m:sSubPr>
+                          <m:e>
+                            <m:r>
+                              <a:rPr kumimoji="1" lang="en-US" altLang="ja-JP" sz="1600" b="0" i="1" smtClean="0">
+                                <a:solidFill>
+                                  <a:schemeClr val="tx1"/>
+                                </a:solidFill>
+                                <a:latin typeface="Cambria Math" panose="02040503050406030204" pitchFamily="18" charset="0"/>
+                              </a:rPr>
+                              <m:t>𝑚</m:t>
+                            </m:r>
+                          </m:e>
+                          <m:sub>
+                            <m:r>
+                              <a:rPr kumimoji="1" lang="en-US" altLang="ja-JP" sz="1600" b="0" i="1" smtClean="0">
+                                <a:solidFill>
+                                  <a:schemeClr val="tx1"/>
+                                </a:solidFill>
+                                <a:latin typeface="Cambria Math" panose="02040503050406030204" pitchFamily="18" charset="0"/>
+                              </a:rPr>
+                              <m:t>𝑘</m:t>
+                            </m:r>
+                          </m:sub>
+                        </m:sSub>
+                      </m:oMath>
+                    </m:oMathPara>
+                  </a14:m>
+                  <a:endParaRPr kumimoji="1" lang="ja-JP" altLang="en-US" sz="1600" dirty="0">
+                    <a:solidFill>
+                      <a:schemeClr val="tx1"/>
+                    </a:solidFill>
+                  </a:endParaRPr>
+                </a:p>
+              </p:txBody>
+            </p:sp>
+          </mc:Choice>
+          <mc:Fallback>
+            <p:sp>
+              <p:nvSpPr>
+                <p:cNvPr id="36" name="楕円 35">
+                  <a:extLst>
+                    <a:ext uri="{FF2B5EF4-FFF2-40B4-BE49-F238E27FC236}">
+                      <a16:creationId xmlns:a16="http://schemas.microsoft.com/office/drawing/2014/main" id="{3FB72E92-CF3A-4004-A70B-984779DC9893}"/>
+                    </a:ext>
+                  </a:extLst>
+                </p:cNvPr>
+                <p:cNvSpPr>
+                  <a:spLocks noRot="1" noChangeAspect="1" noMove="1" noResize="1" noEditPoints="1" noAdjustHandles="1" noChangeArrowheads="1" noChangeShapeType="1" noTextEdit="1"/>
+                </p:cNvSpPr>
+                <p:nvPr/>
+              </p:nvSpPr>
+              <p:spPr>
+                <a:xfrm>
+                  <a:off x="7497272" y="5285973"/>
+                  <a:ext cx="540000" cy="540000"/>
+                </a:xfrm>
+                <a:prstGeom prst="ellipse">
+                  <a:avLst/>
+                </a:prstGeom>
+                <a:blipFill>
+                  <a:blip r:embed="rId13"/>
+                  <a:stretch>
+                    <a:fillRect/>
+                  </a:stretch>
+                </a:blipFill>
+                <a:ln>
+                  <a:solidFill>
+                    <a:schemeClr val="tx1"/>
+                  </a:solidFill>
+                </a:ln>
+              </p:spPr>
+              <p:txBody>
+                <a:bodyPr/>
+                <a:lstStyle/>
+                <a:p>
+                  <a:r>
+                    <a:rPr lang="ja-JP" altLang="en-US">
+                      <a:noFill/>
+                    </a:rPr>
+                    <a:t> </a:t>
+                  </a:r>
+                </a:p>
+              </p:txBody>
+            </p:sp>
+          </mc:Fallback>
+        </mc:AlternateContent>
+        <p:cxnSp>
+          <p:nvCxnSpPr>
+            <p:cNvPr id="37" name="直線矢印コネクタ 36">
+              <a:extLst>
+                <a:ext uri="{FF2B5EF4-FFF2-40B4-BE49-F238E27FC236}">
+                  <a16:creationId xmlns:a16="http://schemas.microsoft.com/office/drawing/2014/main" id="{9323448B-EA82-47D4-B5B4-D09CBE8FCF56}"/>
+                </a:ext>
+              </a:extLst>
+            </p:cNvPr>
+            <p:cNvCxnSpPr>
+              <a:cxnSpLocks/>
+              <a:stCxn id="32" idx="0"/>
+              <a:endCxn id="9" idx="4"/>
+            </p:cNvCxnSpPr>
+            <p:nvPr/>
+          </p:nvCxnSpPr>
+          <p:spPr>
+            <a:xfrm flipV="1">
+              <a:off x="6081406" y="4407991"/>
+              <a:ext cx="0" cy="877982"/>
+            </a:xfrm>
+            <a:prstGeom prst="straightConnector1">
+              <a:avLst/>
+            </a:prstGeom>
+            <a:ln w="19050">
+              <a:solidFill>
+                <a:schemeClr val="tx1"/>
+              </a:solidFill>
+              <a:tailEnd type="triangle"/>
+            </a:ln>
+          </p:spPr>
+          <p:style>
+            <a:lnRef idx="1">
+              <a:schemeClr val="accent1"/>
+            </a:lnRef>
+            <a:fillRef idx="0">
+              <a:schemeClr val="accent1"/>
+            </a:fillRef>
+            <a:effectRef idx="0">
+              <a:schemeClr val="accent1"/>
+            </a:effectRef>
+            <a:fontRef idx="minor">
+              <a:schemeClr val="tx1"/>
+            </a:fontRef>
+          </p:style>
+        </p:cxnSp>
+        <p:cxnSp>
+          <p:nvCxnSpPr>
+            <p:cNvPr id="42" name="直線矢印コネクタ 41">
+              <a:extLst>
+                <a:ext uri="{FF2B5EF4-FFF2-40B4-BE49-F238E27FC236}">
+                  <a16:creationId xmlns:a16="http://schemas.microsoft.com/office/drawing/2014/main" id="{FB055D8B-0FA2-471A-85F1-EAC9C53D28B2}"/>
+                </a:ext>
+              </a:extLst>
+            </p:cNvPr>
+            <p:cNvCxnSpPr>
+              <a:cxnSpLocks/>
+              <a:stCxn id="36" idx="0"/>
+              <a:endCxn id="10" idx="4"/>
+            </p:cNvCxnSpPr>
+            <p:nvPr/>
+          </p:nvCxnSpPr>
+          <p:spPr>
+            <a:xfrm flipV="1">
+              <a:off x="7767272" y="4407991"/>
+              <a:ext cx="0" cy="877982"/>
+            </a:xfrm>
+            <a:prstGeom prst="straightConnector1">
+              <a:avLst/>
+            </a:prstGeom>
+            <a:ln w="19050">
+              <a:solidFill>
+                <a:schemeClr val="tx1"/>
+              </a:solidFill>
+              <a:tailEnd type="triangle"/>
+            </a:ln>
+          </p:spPr>
+          <p:style>
+            <a:lnRef idx="1">
+              <a:schemeClr val="accent1"/>
+            </a:lnRef>
+            <a:fillRef idx="0">
+              <a:schemeClr val="accent1"/>
+            </a:fillRef>
+            <a:effectRef idx="0">
+              <a:schemeClr val="accent1"/>
+            </a:effectRef>
+            <a:fontRef idx="minor">
+              <a:schemeClr val="tx1"/>
+            </a:fontRef>
+          </p:style>
+        </p:cxnSp>
+        <mc:AlternateContent xmlns:mc="http://schemas.openxmlformats.org/markup-compatibility/2006">
+          <mc:Choice xmlns:a14="http://schemas.microsoft.com/office/drawing/2010/main" Requires="a14">
+            <p:sp>
+              <p:nvSpPr>
+                <p:cNvPr id="45" name="テキスト ボックス 44">
+                  <a:extLst>
+                    <a:ext uri="{FF2B5EF4-FFF2-40B4-BE49-F238E27FC236}">
+                      <a16:creationId xmlns:a16="http://schemas.microsoft.com/office/drawing/2014/main" id="{6CA4CAFF-8232-465B-A46A-E794DD01F330}"/>
+                    </a:ext>
+                  </a:extLst>
+                </p:cNvPr>
+                <p:cNvSpPr txBox="1"/>
+                <p:nvPr/>
+              </p:nvSpPr>
+              <p:spPr>
+                <a:xfrm>
+                  <a:off x="3475767" y="4708481"/>
+                  <a:ext cx="855683" cy="276999"/>
+                </a:xfrm>
+                <a:prstGeom prst="rect">
+                  <a:avLst/>
+                </a:prstGeom>
+                <a:noFill/>
+              </p:spPr>
+              <p:txBody>
+                <a:bodyPr wrap="none" lIns="0" tIns="0" rIns="0" bIns="0" rtlCol="0">
+                  <a:spAutoFit/>
+                </a:bodyPr>
+                <a:lstStyle/>
+                <a:p>
+                  <a:pPr/>
+                  <a14:m>
+                    <m:oMathPara xmlns:m="http://schemas.openxmlformats.org/officeDocument/2006/math">
+                      <m:oMathParaPr>
+                        <m:jc m:val="right"/>
+                      </m:oMathParaPr>
+                      <m:oMath xmlns:m="http://schemas.openxmlformats.org/officeDocument/2006/math">
+                        <m:sSub>
+                          <m:sSubPr>
+                            <m:ctrlPr>
+                              <a:rPr kumimoji="1" lang="en-US" altLang="ja-JP" b="0" i="1" smtClean="0">
+                                <a:latin typeface="Cambria Math" panose="02040503050406030204" pitchFamily="18" charset="0"/>
+                              </a:rPr>
+                            </m:ctrlPr>
+                          </m:sSubPr>
+                          <m:e>
+                            <m:r>
+                              <a:rPr kumimoji="1" lang="en-US" altLang="ja-JP" b="0" i="1" smtClean="0">
+                                <a:latin typeface="Cambria Math" panose="02040503050406030204" pitchFamily="18" charset="0"/>
+                              </a:rPr>
+                              <m:t>𝑐</m:t>
+                            </m:r>
+                          </m:e>
+                          <m:sub>
+                            <m:r>
+                              <a:rPr kumimoji="1" lang="en-US" altLang="ja-JP" b="0" i="1" smtClean="0">
+                                <a:latin typeface="Cambria Math" panose="02040503050406030204" pitchFamily="18" charset="0"/>
+                              </a:rPr>
+                              <m:t>𝑡</m:t>
+                            </m:r>
+                            <m:r>
+                              <a:rPr kumimoji="1" lang="en-US" altLang="ja-JP" b="0" i="1" smtClean="0">
+                                <a:latin typeface="Cambria Math" panose="02040503050406030204" pitchFamily="18" charset="0"/>
+                              </a:rPr>
+                              <m:t>−1</m:t>
+                            </m:r>
+                          </m:sub>
+                        </m:sSub>
+                        <m:r>
+                          <a:rPr kumimoji="1" lang="en-US" altLang="ja-JP" b="0" i="1" smtClean="0">
+                            <a:latin typeface="Cambria Math" panose="02040503050406030204" pitchFamily="18" charset="0"/>
+                          </a:rPr>
+                          <m:t>=</m:t>
+                        </m:r>
+                        <m:r>
+                          <a:rPr kumimoji="1" lang="en-US" altLang="ja-JP" b="0" i="1" smtClean="0">
+                            <a:latin typeface="Cambria Math" panose="02040503050406030204" pitchFamily="18" charset="0"/>
+                          </a:rPr>
+                          <m:t>𝑖</m:t>
+                        </m:r>
+                      </m:oMath>
+                    </m:oMathPara>
+                  </a14:m>
+                  <a:endParaRPr kumimoji="1" lang="ja-JP" altLang="en-US" dirty="0"/>
+                </a:p>
+              </p:txBody>
+            </p:sp>
+          </mc:Choice>
+          <mc:Fallback>
+            <p:sp>
+              <p:nvSpPr>
+                <p:cNvPr id="45" name="テキスト ボックス 44">
+                  <a:extLst>
+                    <a:ext uri="{FF2B5EF4-FFF2-40B4-BE49-F238E27FC236}">
+                      <a16:creationId xmlns:a16="http://schemas.microsoft.com/office/drawing/2014/main" id="{6CA4CAFF-8232-465B-A46A-E794DD01F330}"/>
+                    </a:ext>
+                  </a:extLst>
+                </p:cNvPr>
+                <p:cNvSpPr txBox="1">
+                  <a:spLocks noRot="1" noChangeAspect="1" noMove="1" noResize="1" noEditPoints="1" noAdjustHandles="1" noChangeArrowheads="1" noChangeShapeType="1" noTextEdit="1"/>
+                </p:cNvSpPr>
+                <p:nvPr/>
+              </p:nvSpPr>
+              <p:spPr>
+                <a:xfrm>
+                  <a:off x="3475767" y="4708481"/>
+                  <a:ext cx="855683" cy="276999"/>
+                </a:xfrm>
+                <a:prstGeom prst="rect">
+                  <a:avLst/>
+                </a:prstGeom>
+                <a:blipFill>
+                  <a:blip r:embed="rId14"/>
+                  <a:stretch>
+                    <a:fillRect r="-9286" b="-15217"/>
+                  </a:stretch>
+                </a:blipFill>
+              </p:spPr>
+              <p:txBody>
+                <a:bodyPr/>
+                <a:lstStyle/>
+                <a:p>
+                  <a:r>
+                    <a:rPr lang="ja-JP" altLang="en-US">
+                      <a:noFill/>
+                    </a:rPr>
+                    <a:t> </a:t>
+                  </a:r>
+                </a:p>
+              </p:txBody>
+            </p:sp>
+          </mc:Fallback>
+        </mc:AlternateContent>
+        <mc:AlternateContent xmlns:mc="http://schemas.openxmlformats.org/markup-compatibility/2006">
+          <mc:Choice xmlns:a14="http://schemas.microsoft.com/office/drawing/2010/main" Requires="a14">
+            <p:sp>
+              <p:nvSpPr>
+                <p:cNvPr id="46" name="テキスト ボックス 45">
+                  <a:extLst>
+                    <a:ext uri="{FF2B5EF4-FFF2-40B4-BE49-F238E27FC236}">
+                      <a16:creationId xmlns:a16="http://schemas.microsoft.com/office/drawing/2014/main" id="{F10DAA5C-3EA1-4C29-9204-8E740518DDE0}"/>
+                    </a:ext>
+                  </a:extLst>
+                </p:cNvPr>
+                <p:cNvSpPr txBox="1"/>
+                <p:nvPr/>
+              </p:nvSpPr>
+              <p:spPr>
+                <a:xfrm>
+                  <a:off x="5270121" y="4708480"/>
+                  <a:ext cx="642355" cy="276999"/>
+                </a:xfrm>
+                <a:prstGeom prst="rect">
+                  <a:avLst/>
+                </a:prstGeom>
+                <a:noFill/>
+              </p:spPr>
+              <p:txBody>
+                <a:bodyPr wrap="none" lIns="0" tIns="0" rIns="0" bIns="0" rtlCol="0">
+                  <a:spAutoFit/>
+                </a:bodyPr>
+                <a:lstStyle/>
+                <a:p>
+                  <a:pPr/>
+                  <a14:m>
+                    <m:oMathPara xmlns:m="http://schemas.openxmlformats.org/officeDocument/2006/math">
+                      <m:oMathParaPr>
+                        <m:jc m:val="right"/>
+                      </m:oMathParaPr>
+                      <m:oMath xmlns:m="http://schemas.openxmlformats.org/officeDocument/2006/math">
+                        <m:sSub>
+                          <m:sSubPr>
+                            <m:ctrlPr>
+                              <a:rPr kumimoji="1" lang="en-US" altLang="ja-JP" b="0" i="1" smtClean="0">
+                                <a:latin typeface="Cambria Math" panose="02040503050406030204" pitchFamily="18" charset="0"/>
+                              </a:rPr>
+                            </m:ctrlPr>
+                          </m:sSubPr>
+                          <m:e>
+                            <m:r>
+                              <a:rPr kumimoji="1" lang="en-US" altLang="ja-JP" b="0" i="1" smtClean="0">
+                                <a:latin typeface="Cambria Math" panose="02040503050406030204" pitchFamily="18" charset="0"/>
+                              </a:rPr>
+                              <m:t>𝑐</m:t>
+                            </m:r>
+                          </m:e>
+                          <m:sub>
+                            <m:r>
+                              <a:rPr kumimoji="1" lang="en-US" altLang="ja-JP" b="0" i="1" smtClean="0">
+                                <a:latin typeface="Cambria Math" panose="02040503050406030204" pitchFamily="18" charset="0"/>
+                              </a:rPr>
+                              <m:t>𝑡</m:t>
+                            </m:r>
+                          </m:sub>
+                        </m:sSub>
+                        <m:r>
+                          <a:rPr kumimoji="1" lang="en-US" altLang="ja-JP" b="0" i="1" smtClean="0">
+                            <a:latin typeface="Cambria Math" panose="02040503050406030204" pitchFamily="18" charset="0"/>
+                          </a:rPr>
+                          <m:t>=</m:t>
+                        </m:r>
+                        <m:r>
+                          <a:rPr kumimoji="1" lang="en-US" altLang="ja-JP" b="0" i="1" smtClean="0">
+                            <a:latin typeface="Cambria Math" panose="02040503050406030204" pitchFamily="18" charset="0"/>
+                          </a:rPr>
+                          <m:t>𝑗</m:t>
+                        </m:r>
+                      </m:oMath>
+                    </m:oMathPara>
+                  </a14:m>
+                  <a:endParaRPr kumimoji="1" lang="ja-JP" altLang="en-US" dirty="0"/>
+                </a:p>
+              </p:txBody>
+            </p:sp>
+          </mc:Choice>
+          <mc:Fallback>
+            <p:sp>
+              <p:nvSpPr>
+                <p:cNvPr id="46" name="テキスト ボックス 45">
+                  <a:extLst>
+                    <a:ext uri="{FF2B5EF4-FFF2-40B4-BE49-F238E27FC236}">
+                      <a16:creationId xmlns:a16="http://schemas.microsoft.com/office/drawing/2014/main" id="{F10DAA5C-3EA1-4C29-9204-8E740518DDE0}"/>
+                    </a:ext>
+                  </a:extLst>
+                </p:cNvPr>
+                <p:cNvSpPr txBox="1">
+                  <a:spLocks noRot="1" noChangeAspect="1" noMove="1" noResize="1" noEditPoints="1" noAdjustHandles="1" noChangeArrowheads="1" noChangeShapeType="1" noTextEdit="1"/>
+                </p:cNvSpPr>
+                <p:nvPr/>
+              </p:nvSpPr>
+              <p:spPr>
+                <a:xfrm>
+                  <a:off x="5270121" y="4708480"/>
+                  <a:ext cx="642355" cy="276999"/>
+                </a:xfrm>
+                <a:prstGeom prst="rect">
+                  <a:avLst/>
+                </a:prstGeom>
+                <a:blipFill>
+                  <a:blip r:embed="rId15"/>
+                  <a:stretch>
+                    <a:fillRect t="-2174" r="-16038" b="-32609"/>
+                  </a:stretch>
+                </a:blipFill>
+              </p:spPr>
+              <p:txBody>
+                <a:bodyPr/>
+                <a:lstStyle/>
+                <a:p>
+                  <a:r>
+                    <a:rPr lang="ja-JP" altLang="en-US">
+                      <a:noFill/>
+                    </a:rPr>
+                    <a:t> </a:t>
+                  </a:r>
+                </a:p>
+              </p:txBody>
+            </p:sp>
+          </mc:Fallback>
+        </mc:AlternateContent>
+        <mc:AlternateContent xmlns:mc="http://schemas.openxmlformats.org/markup-compatibility/2006">
+          <mc:Choice xmlns:a14="http://schemas.microsoft.com/office/drawing/2010/main" Requires="a14">
+            <p:sp>
+              <p:nvSpPr>
+                <p:cNvPr id="47" name="テキスト ボックス 46">
+                  <a:extLst>
+                    <a:ext uri="{FF2B5EF4-FFF2-40B4-BE49-F238E27FC236}">
+                      <a16:creationId xmlns:a16="http://schemas.microsoft.com/office/drawing/2014/main" id="{9B674A7D-254D-4CDC-B166-685EA9658432}"/>
+                    </a:ext>
+                  </a:extLst>
+                </p:cNvPr>
+                <p:cNvSpPr txBox="1"/>
+                <p:nvPr/>
+              </p:nvSpPr>
+              <p:spPr>
+                <a:xfrm>
+                  <a:off x="6823162" y="4708480"/>
+                  <a:ext cx="908005" cy="276999"/>
+                </a:xfrm>
+                <a:prstGeom prst="rect">
+                  <a:avLst/>
+                </a:prstGeom>
+                <a:noFill/>
+              </p:spPr>
+              <p:txBody>
+                <a:bodyPr wrap="none" lIns="0" tIns="0" rIns="0" bIns="0" rtlCol="0">
+                  <a:spAutoFit/>
+                </a:bodyPr>
+                <a:lstStyle/>
+                <a:p>
+                  <a:pPr/>
+                  <a14:m>
+                    <m:oMathPara xmlns:m="http://schemas.openxmlformats.org/officeDocument/2006/math">
+                      <m:oMathParaPr>
+                        <m:jc m:val="right"/>
+                      </m:oMathParaPr>
+                      <m:oMath xmlns:m="http://schemas.openxmlformats.org/officeDocument/2006/math">
+                        <m:sSub>
+                          <m:sSubPr>
+                            <m:ctrlPr>
+                              <a:rPr kumimoji="1" lang="en-US" altLang="ja-JP" b="0" i="1" smtClean="0">
+                                <a:latin typeface="Cambria Math" panose="02040503050406030204" pitchFamily="18" charset="0"/>
+                              </a:rPr>
+                            </m:ctrlPr>
+                          </m:sSubPr>
+                          <m:e>
+                            <m:r>
+                              <a:rPr kumimoji="1" lang="en-US" altLang="ja-JP" b="0" i="1" smtClean="0">
+                                <a:latin typeface="Cambria Math" panose="02040503050406030204" pitchFamily="18" charset="0"/>
+                              </a:rPr>
+                              <m:t>𝑐</m:t>
+                            </m:r>
+                          </m:e>
+                          <m:sub>
+                            <m:r>
+                              <a:rPr kumimoji="1" lang="en-US" altLang="ja-JP" b="0" i="1" smtClean="0">
+                                <a:latin typeface="Cambria Math" panose="02040503050406030204" pitchFamily="18" charset="0"/>
+                              </a:rPr>
+                              <m:t>𝑡</m:t>
+                            </m:r>
+                            <m:r>
+                              <a:rPr kumimoji="1" lang="en-US" altLang="ja-JP" b="0" i="1" smtClean="0">
+                                <a:latin typeface="Cambria Math" panose="02040503050406030204" pitchFamily="18" charset="0"/>
+                              </a:rPr>
+                              <m:t>+1</m:t>
+                            </m:r>
+                          </m:sub>
+                        </m:sSub>
+                        <m:r>
+                          <a:rPr kumimoji="1" lang="en-US" altLang="ja-JP" b="0" i="1" smtClean="0">
+                            <a:latin typeface="Cambria Math" panose="02040503050406030204" pitchFamily="18" charset="0"/>
+                          </a:rPr>
+                          <m:t>=</m:t>
+                        </m:r>
+                        <m:r>
+                          <a:rPr kumimoji="1" lang="en-US" altLang="ja-JP" b="0" i="1" smtClean="0">
+                            <a:latin typeface="Cambria Math" panose="02040503050406030204" pitchFamily="18" charset="0"/>
+                          </a:rPr>
+                          <m:t>𝑘</m:t>
+                        </m:r>
+                      </m:oMath>
+                    </m:oMathPara>
+                  </a14:m>
+                  <a:endParaRPr kumimoji="1" lang="ja-JP" altLang="en-US" dirty="0"/>
+                </a:p>
+              </p:txBody>
+            </p:sp>
+          </mc:Choice>
+          <mc:Fallback>
+            <p:sp>
+              <p:nvSpPr>
+                <p:cNvPr id="47" name="テキスト ボックス 46">
+                  <a:extLst>
+                    <a:ext uri="{FF2B5EF4-FFF2-40B4-BE49-F238E27FC236}">
+                      <a16:creationId xmlns:a16="http://schemas.microsoft.com/office/drawing/2014/main" id="{9B674A7D-254D-4CDC-B166-685EA9658432}"/>
+                    </a:ext>
+                  </a:extLst>
+                </p:cNvPr>
+                <p:cNvSpPr txBox="1">
+                  <a:spLocks noRot="1" noChangeAspect="1" noMove="1" noResize="1" noEditPoints="1" noAdjustHandles="1" noChangeArrowheads="1" noChangeShapeType="1" noTextEdit="1"/>
+                </p:cNvSpPr>
+                <p:nvPr/>
+              </p:nvSpPr>
+              <p:spPr>
+                <a:xfrm>
+                  <a:off x="6823162" y="4708480"/>
+                  <a:ext cx="908005" cy="276999"/>
+                </a:xfrm>
+                <a:prstGeom prst="rect">
+                  <a:avLst/>
+                </a:prstGeom>
+                <a:blipFill>
+                  <a:blip r:embed="rId16"/>
+                  <a:stretch>
+                    <a:fillRect r="-8725" b="-15217"/>
+                  </a:stretch>
+                </a:blipFill>
+              </p:spPr>
+              <p:txBody>
+                <a:bodyPr/>
+                <a:lstStyle/>
+                <a:p>
+                  <a:r>
+                    <a:rPr lang="ja-JP" altLang="en-US">
+                      <a:noFill/>
+                    </a:rPr>
+                    <a:t> </a:t>
+                  </a:r>
+                </a:p>
+              </p:txBody>
+            </p:sp>
+          </mc:Fallback>
+        </mc:AlternateContent>
+        <mc:AlternateContent xmlns:mc="http://schemas.openxmlformats.org/markup-compatibility/2006">
+          <mc:Choice xmlns:a14="http://schemas.microsoft.com/office/drawing/2010/main" Requires="a14">
+            <p:sp>
+              <p:nvSpPr>
+                <p:cNvPr id="32" name="楕円 31">
+                  <a:extLst>
+                    <a:ext uri="{FF2B5EF4-FFF2-40B4-BE49-F238E27FC236}">
+                      <a16:creationId xmlns:a16="http://schemas.microsoft.com/office/drawing/2014/main" id="{28E0640C-3350-4E34-A0A5-A302F4629C6E}"/>
+                    </a:ext>
+                  </a:extLst>
+                </p:cNvPr>
+                <p:cNvSpPr/>
+                <p:nvPr/>
+              </p:nvSpPr>
+              <p:spPr>
+                <a:xfrm>
+                  <a:off x="5811406" y="5285973"/>
+                  <a:ext cx="540000" cy="540000"/>
+                </a:xfrm>
+                <a:prstGeom prst="ellipse">
+                  <a:avLst/>
+                </a:prstGeom>
+                <a:solidFill>
+                  <a:schemeClr val="bg1"/>
+                </a:solidFill>
+                <a:ln>
+                  <a:solidFill>
+                    <a:schemeClr val="tx1"/>
+                  </a:solidFill>
+                </a:ln>
+              </p:spPr>
+              <p:style>
+                <a:lnRef idx="2">
+                  <a:schemeClr val="accent1">
+                    <a:shade val="50000"/>
+                  </a:schemeClr>
+                </a:lnRef>
+                <a:fillRef idx="1">
+                  <a:schemeClr val="accent1"/>
+                </a:fillRef>
+                <a:effectRef idx="0">
+                  <a:schemeClr val="accent1"/>
+                </a:effectRef>
+                <a:fontRef idx="minor">
+                  <a:schemeClr val="lt1"/>
+                </a:fontRef>
+              </p:style>
+              <p:txBody>
+                <a:bodyPr rtlCol="0" anchor="ctr"/>
+                <a:lstStyle/>
+                <a:p>
+                  <a:pPr algn="ctr"/>
+                  <a14:m>
+                    <m:oMathPara xmlns:m="http://schemas.openxmlformats.org/officeDocument/2006/math">
+                      <m:oMathParaPr>
+                        <m:jc m:val="center"/>
+                      </m:oMathParaPr>
+                      <m:oMath xmlns:m="http://schemas.openxmlformats.org/officeDocument/2006/math">
+                        <m:sSub>
+                          <m:sSubPr>
+                            <m:ctrlPr>
+                              <a:rPr kumimoji="1" lang="en-US" altLang="ja-JP" sz="1600" b="0" i="1" smtClean="0">
+                                <a:solidFill>
+                                  <a:schemeClr val="tx1"/>
+                                </a:solidFill>
+                                <a:latin typeface="Cambria Math" panose="02040503050406030204" pitchFamily="18" charset="0"/>
+                              </a:rPr>
+                            </m:ctrlPr>
+                          </m:sSubPr>
+                          <m:e>
+                            <m:r>
+                              <a:rPr kumimoji="1" lang="en-US" altLang="ja-JP" sz="1600" b="0" i="1" smtClean="0">
+                                <a:solidFill>
+                                  <a:schemeClr val="tx1"/>
+                                </a:solidFill>
+                                <a:latin typeface="Cambria Math" panose="02040503050406030204" pitchFamily="18" charset="0"/>
+                              </a:rPr>
+                              <m:t>𝑚</m:t>
+                            </m:r>
+                          </m:e>
+                          <m:sub>
+                            <m:r>
+                              <a:rPr kumimoji="1" lang="en-US" altLang="ja-JP" sz="1600" b="0" i="1" smtClean="0">
+                                <a:solidFill>
+                                  <a:schemeClr val="tx1"/>
+                                </a:solidFill>
+                                <a:latin typeface="Cambria Math" panose="02040503050406030204" pitchFamily="18" charset="0"/>
+                              </a:rPr>
+                              <m:t>𝑗</m:t>
+                            </m:r>
+                          </m:sub>
+                        </m:sSub>
+                      </m:oMath>
+                    </m:oMathPara>
+                  </a14:m>
+                  <a:endParaRPr kumimoji="1" lang="ja-JP" altLang="en-US" sz="1600" dirty="0">
+                    <a:solidFill>
+                      <a:schemeClr val="tx1"/>
+                    </a:solidFill>
+                  </a:endParaRPr>
+                </a:p>
+              </p:txBody>
+            </p:sp>
+          </mc:Choice>
+          <mc:Fallback>
+            <p:sp>
+              <p:nvSpPr>
+                <p:cNvPr id="32" name="楕円 31">
+                  <a:extLst>
+                    <a:ext uri="{FF2B5EF4-FFF2-40B4-BE49-F238E27FC236}">
+                      <a16:creationId xmlns:a16="http://schemas.microsoft.com/office/drawing/2014/main" id="{28E0640C-3350-4E34-A0A5-A302F4629C6E}"/>
+                    </a:ext>
+                  </a:extLst>
+                </p:cNvPr>
+                <p:cNvSpPr>
+                  <a:spLocks noRot="1" noChangeAspect="1" noMove="1" noResize="1" noEditPoints="1" noAdjustHandles="1" noChangeArrowheads="1" noChangeShapeType="1" noTextEdit="1"/>
+                </p:cNvSpPr>
+                <p:nvPr/>
+              </p:nvSpPr>
+              <p:spPr>
+                <a:xfrm>
+                  <a:off x="5811406" y="5285973"/>
+                  <a:ext cx="540000" cy="540000"/>
+                </a:xfrm>
+                <a:prstGeom prst="ellipse">
+                  <a:avLst/>
+                </a:prstGeom>
+                <a:blipFill>
+                  <a:blip r:embed="rId17"/>
+                  <a:stretch>
+                    <a:fillRect/>
+                  </a:stretch>
+                </a:blipFill>
+                <a:ln>
+                  <a:solidFill>
+                    <a:schemeClr val="tx1"/>
+                  </a:solidFill>
+                </a:ln>
+              </p:spPr>
+              <p:txBody>
+                <a:bodyPr/>
+                <a:lstStyle/>
+                <a:p>
+                  <a:r>
+                    <a:rPr lang="ja-JP" altLang="en-US">
+                      <a:noFill/>
+                    </a:rPr>
+                    <a:t> </a:t>
+                  </a:r>
+                </a:p>
+              </p:txBody>
+            </p:sp>
+          </mc:Fallback>
+        </mc:AlternateContent>
+        <mc:AlternateContent xmlns:mc="http://schemas.openxmlformats.org/markup-compatibility/2006">
+          <mc:Choice xmlns:a14="http://schemas.microsoft.com/office/drawing/2010/main" Requires="a14">
+            <p:sp>
+              <p:nvSpPr>
+                <p:cNvPr id="33" name="楕円 32">
+                  <a:extLst>
+                    <a:ext uri="{FF2B5EF4-FFF2-40B4-BE49-F238E27FC236}">
+                      <a16:creationId xmlns:a16="http://schemas.microsoft.com/office/drawing/2014/main" id="{56AB496F-22A2-41CF-9316-E54F1DF83946}"/>
+                    </a:ext>
+                  </a:extLst>
+                </p:cNvPr>
+                <p:cNvSpPr/>
+                <p:nvPr/>
+              </p:nvSpPr>
+              <p:spPr>
+                <a:xfrm>
+                  <a:off x="9183138" y="2450009"/>
+                  <a:ext cx="540000" cy="540000"/>
+                </a:xfrm>
+                <a:prstGeom prst="ellipse">
+                  <a:avLst/>
+                </a:prstGeom>
+                <a:solidFill>
+                  <a:schemeClr val="bg1"/>
+                </a:solidFill>
+                <a:ln>
+                  <a:solidFill>
+                    <a:schemeClr val="tx1"/>
+                  </a:solidFill>
+                </a:ln>
+              </p:spPr>
+              <p:style>
+                <a:lnRef idx="2">
+                  <a:schemeClr val="accent1">
+                    <a:shade val="50000"/>
+                  </a:schemeClr>
+                </a:lnRef>
+                <a:fillRef idx="1">
+                  <a:schemeClr val="accent1"/>
+                </a:fillRef>
+                <a:effectRef idx="0">
+                  <a:schemeClr val="accent1"/>
+                </a:effectRef>
+                <a:fontRef idx="minor">
+                  <a:schemeClr val="lt1"/>
+                </a:fontRef>
+              </p:style>
+              <p:txBody>
+                <a:bodyPr rtlCol="0" anchor="ctr"/>
+                <a:lstStyle/>
+                <a:p>
+                  <a:pPr algn="ctr"/>
+                  <a14:m>
+                    <m:oMathPara xmlns:m="http://schemas.openxmlformats.org/officeDocument/2006/math">
+                      <m:oMathParaPr>
+                        <m:jc m:val="center"/>
+                      </m:oMathParaPr>
+                      <m:oMath xmlns:m="http://schemas.openxmlformats.org/officeDocument/2006/math">
+                        <m:sSub>
+                          <m:sSubPr>
+                            <m:ctrlPr>
+                              <a:rPr kumimoji="1" lang="en-US" altLang="ja-JP" sz="1600" b="0" i="1" smtClean="0">
+                                <a:solidFill>
+                                  <a:schemeClr val="tx1"/>
+                                </a:solidFill>
+                                <a:latin typeface="Cambria Math" panose="02040503050406030204" pitchFamily="18" charset="0"/>
+                              </a:rPr>
+                            </m:ctrlPr>
+                          </m:sSubPr>
+                          <m:e>
+                            <m:r>
+                              <a:rPr kumimoji="1" lang="en-US" altLang="ja-JP" sz="1600" b="0" i="1" smtClean="0">
+                                <a:solidFill>
+                                  <a:schemeClr val="tx1"/>
+                                </a:solidFill>
+                                <a:latin typeface="Cambria Math" panose="02040503050406030204" pitchFamily="18" charset="0"/>
+                              </a:rPr>
+                              <m:t>𝑥</m:t>
+                            </m:r>
+                          </m:e>
+                          <m:sub>
+                            <m:r>
+                              <a:rPr kumimoji="1" lang="en-US" altLang="ja-JP" sz="1600" b="0" i="1" smtClean="0">
+                                <a:solidFill>
+                                  <a:schemeClr val="tx1"/>
+                                </a:solidFill>
+                                <a:latin typeface="Cambria Math" panose="02040503050406030204" pitchFamily="18" charset="0"/>
+                              </a:rPr>
+                              <m:t>𝑡</m:t>
+                            </m:r>
+                            <m:r>
+                              <a:rPr kumimoji="1" lang="en-US" altLang="ja-JP" sz="1600" b="0" i="1" smtClean="0">
+                                <a:solidFill>
+                                  <a:schemeClr val="tx1"/>
+                                </a:solidFill>
+                                <a:latin typeface="Cambria Math" panose="02040503050406030204" pitchFamily="18" charset="0"/>
+                              </a:rPr>
+                              <m:t>+2</m:t>
+                            </m:r>
+                          </m:sub>
+                        </m:sSub>
+                      </m:oMath>
+                    </m:oMathPara>
+                  </a14:m>
+                  <a:endParaRPr kumimoji="1" lang="ja-JP" altLang="en-US" sz="1600" dirty="0">
+                    <a:solidFill>
+                      <a:schemeClr val="tx1"/>
+                    </a:solidFill>
+                  </a:endParaRPr>
+                </a:p>
+              </p:txBody>
+            </p:sp>
+          </mc:Choice>
+          <mc:Fallback>
+            <p:sp>
+              <p:nvSpPr>
+                <p:cNvPr id="33" name="楕円 32">
+                  <a:extLst>
+                    <a:ext uri="{FF2B5EF4-FFF2-40B4-BE49-F238E27FC236}">
+                      <a16:creationId xmlns:a16="http://schemas.microsoft.com/office/drawing/2014/main" id="{56AB496F-22A2-41CF-9316-E54F1DF83946}"/>
+                    </a:ext>
+                  </a:extLst>
+                </p:cNvPr>
+                <p:cNvSpPr>
+                  <a:spLocks noRot="1" noChangeAspect="1" noMove="1" noResize="1" noEditPoints="1" noAdjustHandles="1" noChangeArrowheads="1" noChangeShapeType="1" noTextEdit="1"/>
+                </p:cNvSpPr>
+                <p:nvPr/>
+              </p:nvSpPr>
+              <p:spPr>
+                <a:xfrm>
+                  <a:off x="9183138" y="2450009"/>
+                  <a:ext cx="540000" cy="540000"/>
+                </a:xfrm>
+                <a:prstGeom prst="ellipse">
+                  <a:avLst/>
+                </a:prstGeom>
+                <a:blipFill>
+                  <a:blip r:embed="rId18"/>
+                  <a:stretch>
+                    <a:fillRect/>
+                  </a:stretch>
+                </a:blipFill>
+                <a:ln>
+                  <a:solidFill>
+                    <a:schemeClr val="tx1"/>
+                  </a:solidFill>
+                </a:ln>
+              </p:spPr>
+              <p:txBody>
+                <a:bodyPr/>
+                <a:lstStyle/>
+                <a:p>
+                  <a:r>
+                    <a:rPr lang="ja-JP" altLang="en-US">
+                      <a:noFill/>
+                    </a:rPr>
+                    <a:t> </a:t>
+                  </a:r>
+                </a:p>
+              </p:txBody>
+            </p:sp>
+          </mc:Fallback>
+        </mc:AlternateContent>
+        <p:cxnSp>
+          <p:nvCxnSpPr>
+            <p:cNvPr id="35" name="直線矢印コネクタ 34">
+              <a:extLst>
+                <a:ext uri="{FF2B5EF4-FFF2-40B4-BE49-F238E27FC236}">
+                  <a16:creationId xmlns:a16="http://schemas.microsoft.com/office/drawing/2014/main" id="{A626507C-9A44-4CD2-9FE3-5A8387A52A4A}"/>
+                </a:ext>
+              </a:extLst>
+            </p:cNvPr>
+            <p:cNvCxnSpPr>
+              <a:cxnSpLocks/>
+              <a:stCxn id="33" idx="6"/>
+              <a:endCxn id="38" idx="2"/>
+            </p:cNvCxnSpPr>
+            <p:nvPr/>
+          </p:nvCxnSpPr>
+          <p:spPr>
+            <a:xfrm>
+              <a:off x="9723138" y="2720009"/>
+              <a:ext cx="1145866" cy="0"/>
+            </a:xfrm>
+            <a:prstGeom prst="straightConnector1">
+              <a:avLst/>
+            </a:prstGeom>
+            <a:ln w="19050">
+              <a:solidFill>
+                <a:schemeClr val="tx1"/>
+              </a:solidFill>
+              <a:tailEnd type="triangle"/>
+            </a:ln>
+          </p:spPr>
+          <p:style>
+            <a:lnRef idx="1">
+              <a:schemeClr val="accent1"/>
+            </a:lnRef>
+            <a:fillRef idx="0">
+              <a:schemeClr val="accent1"/>
+            </a:fillRef>
+            <a:effectRef idx="0">
+              <a:schemeClr val="accent1"/>
+            </a:effectRef>
+            <a:fontRef idx="minor">
+              <a:schemeClr val="tx1"/>
+            </a:fontRef>
+          </p:style>
+        </p:cxnSp>
+        <mc:AlternateContent xmlns:mc="http://schemas.openxmlformats.org/markup-compatibility/2006">
+          <mc:Choice xmlns:a14="http://schemas.microsoft.com/office/drawing/2010/main" Requires="a14">
+            <p:sp>
+              <p:nvSpPr>
+                <p:cNvPr id="38" name="楕円 37">
+                  <a:extLst>
+                    <a:ext uri="{FF2B5EF4-FFF2-40B4-BE49-F238E27FC236}">
+                      <a16:creationId xmlns:a16="http://schemas.microsoft.com/office/drawing/2014/main" id="{13F33CBF-2871-4324-9F85-96DD4CDCEFA4}"/>
+                    </a:ext>
+                  </a:extLst>
+                </p:cNvPr>
+                <p:cNvSpPr/>
+                <p:nvPr/>
+              </p:nvSpPr>
+              <p:spPr>
+                <a:xfrm>
+                  <a:off x="10869004" y="2450009"/>
+                  <a:ext cx="540000" cy="540000"/>
+                </a:xfrm>
+                <a:prstGeom prst="ellipse">
+                  <a:avLst/>
+                </a:prstGeom>
+                <a:noFill/>
+                <a:ln>
+                  <a:noFill/>
+                </a:ln>
+              </p:spPr>
+              <p:style>
+                <a:lnRef idx="2">
+                  <a:schemeClr val="accent1">
+                    <a:shade val="50000"/>
+                  </a:schemeClr>
+                </a:lnRef>
+                <a:fillRef idx="1">
+                  <a:schemeClr val="accent1"/>
+                </a:fillRef>
+                <a:effectRef idx="0">
+                  <a:schemeClr val="accent1"/>
+                </a:effectRef>
+                <a:fontRef idx="minor">
+                  <a:schemeClr val="lt1"/>
+                </a:fontRef>
+              </p:style>
+              <p:txBody>
+                <a:bodyPr rtlCol="0" anchor="ctr"/>
+                <a:lstStyle/>
+                <a:p>
+                  <a:pPr algn="ctr"/>
+                  <a14:m>
+                    <m:oMathPara xmlns:m="http://schemas.openxmlformats.org/officeDocument/2006/math">
+                      <m:oMathParaPr>
+                        <m:jc m:val="center"/>
+                      </m:oMathParaPr>
+                      <m:oMath xmlns:m="http://schemas.openxmlformats.org/officeDocument/2006/math">
+                        <m:r>
+                          <a:rPr kumimoji="1" lang="en-US" altLang="ja-JP" sz="2400" b="0" i="1" smtClean="0">
+                            <a:solidFill>
+                              <a:schemeClr val="tx1"/>
+                            </a:solidFill>
+                            <a:latin typeface="Cambria Math" panose="02040503050406030204" pitchFamily="18" charset="0"/>
+                          </a:rPr>
+                          <m:t>⋯</m:t>
+                        </m:r>
+                      </m:oMath>
+                    </m:oMathPara>
+                  </a14:m>
+                  <a:endParaRPr kumimoji="1" lang="ja-JP" altLang="en-US" sz="2400" dirty="0">
+                    <a:solidFill>
+                      <a:schemeClr val="tx1"/>
+                    </a:solidFill>
+                  </a:endParaRPr>
+                </a:p>
+              </p:txBody>
+            </p:sp>
+          </mc:Choice>
+          <mc:Fallback>
+            <p:sp>
+              <p:nvSpPr>
+                <p:cNvPr id="38" name="楕円 37">
+                  <a:extLst>
+                    <a:ext uri="{FF2B5EF4-FFF2-40B4-BE49-F238E27FC236}">
+                      <a16:creationId xmlns:a16="http://schemas.microsoft.com/office/drawing/2014/main" id="{13F33CBF-2871-4324-9F85-96DD4CDCEFA4}"/>
+                    </a:ext>
+                  </a:extLst>
+                </p:cNvPr>
+                <p:cNvSpPr>
+                  <a:spLocks noRot="1" noChangeAspect="1" noMove="1" noResize="1" noEditPoints="1" noAdjustHandles="1" noChangeArrowheads="1" noChangeShapeType="1" noTextEdit="1"/>
+                </p:cNvSpPr>
+                <p:nvPr/>
+              </p:nvSpPr>
+              <p:spPr>
+                <a:xfrm>
+                  <a:off x="10869004" y="2450009"/>
+                  <a:ext cx="540000" cy="540000"/>
+                </a:xfrm>
+                <a:prstGeom prst="ellipse">
+                  <a:avLst/>
+                </a:prstGeom>
+                <a:blipFill>
+                  <a:blip r:embed="rId19"/>
+                  <a:stretch>
+                    <a:fillRect/>
+                  </a:stretch>
+                </a:blipFill>
+                <a:ln>
+                  <a:noFill/>
+                </a:ln>
+              </p:spPr>
+              <p:txBody>
+                <a:bodyPr/>
+                <a:lstStyle/>
+                <a:p>
+                  <a:r>
+                    <a:rPr lang="ja-JP" altLang="en-US">
+                      <a:noFill/>
+                    </a:rPr>
+                    <a:t> </a:t>
+                  </a:r>
+                </a:p>
+              </p:txBody>
+            </p:sp>
+          </mc:Fallback>
+        </mc:AlternateContent>
+        <mc:AlternateContent xmlns:mc="http://schemas.openxmlformats.org/markup-compatibility/2006">
+          <mc:Choice xmlns:a14="http://schemas.microsoft.com/office/drawing/2010/main" Requires="a14">
+            <p:sp>
+              <p:nvSpPr>
+                <p:cNvPr id="39" name="楕円 38">
+                  <a:extLst>
+                    <a:ext uri="{FF2B5EF4-FFF2-40B4-BE49-F238E27FC236}">
+                      <a16:creationId xmlns:a16="http://schemas.microsoft.com/office/drawing/2014/main" id="{5BA02A45-E092-45D8-B043-857E6804F5A3}"/>
+                    </a:ext>
+                  </a:extLst>
+                </p:cNvPr>
+                <p:cNvSpPr/>
+                <p:nvPr/>
+              </p:nvSpPr>
+              <p:spPr>
+                <a:xfrm>
+                  <a:off x="8422067" y="3159000"/>
+                  <a:ext cx="540000" cy="540000"/>
+                </a:xfrm>
+                <a:prstGeom prst="ellipse">
+                  <a:avLst/>
+                </a:prstGeom>
+                <a:solidFill>
+                  <a:schemeClr val="bg1">
+                    <a:lumMod val="85000"/>
+                  </a:schemeClr>
+                </a:solidFill>
+                <a:ln>
+                  <a:solidFill>
+                    <a:schemeClr val="tx1"/>
+                  </a:solidFill>
+                </a:ln>
+              </p:spPr>
+              <p:style>
+                <a:lnRef idx="2">
+                  <a:schemeClr val="accent1">
+                    <a:shade val="50000"/>
+                  </a:schemeClr>
+                </a:lnRef>
+                <a:fillRef idx="1">
+                  <a:schemeClr val="accent1"/>
+                </a:fillRef>
+                <a:effectRef idx="0">
+                  <a:schemeClr val="accent1"/>
+                </a:effectRef>
+                <a:fontRef idx="minor">
+                  <a:schemeClr val="lt1"/>
+                </a:fontRef>
+              </p:style>
+              <p:txBody>
+                <a:bodyPr rtlCol="0" anchor="ctr"/>
+                <a:lstStyle/>
+                <a:p>
+                  <a:pPr algn="ctr"/>
+                  <a14:m>
+                    <m:oMathPara xmlns:m="http://schemas.openxmlformats.org/officeDocument/2006/math">
+                      <m:oMathParaPr>
+                        <m:jc m:val="center"/>
+                      </m:oMathParaPr>
+                      <m:oMath xmlns:m="http://schemas.openxmlformats.org/officeDocument/2006/math">
+                        <m:sSub>
+                          <m:sSubPr>
+                            <m:ctrlPr>
+                              <a:rPr kumimoji="1" lang="en-US" altLang="ja-JP" sz="1600" b="0" i="1" smtClean="0">
+                                <a:solidFill>
+                                  <a:schemeClr val="tx1"/>
+                                </a:solidFill>
+                                <a:latin typeface="Cambria Math" panose="02040503050406030204" pitchFamily="18" charset="0"/>
+                              </a:rPr>
+                            </m:ctrlPr>
+                          </m:sSubPr>
+                          <m:e>
+                            <m:r>
+                              <a:rPr kumimoji="1" lang="en-US" altLang="ja-JP" sz="1600" b="0" i="1" smtClean="0">
+                                <a:solidFill>
+                                  <a:schemeClr val="tx1"/>
+                                </a:solidFill>
+                                <a:latin typeface="Cambria Math" panose="02040503050406030204" pitchFamily="18" charset="0"/>
+                              </a:rPr>
+                              <m:t>𝑢</m:t>
+                            </m:r>
+                          </m:e>
+                          <m:sub>
+                            <m:r>
+                              <a:rPr kumimoji="1" lang="en-US" altLang="ja-JP" sz="1600" b="0" i="1" smtClean="0">
+                                <a:solidFill>
+                                  <a:schemeClr val="tx1"/>
+                                </a:solidFill>
+                                <a:latin typeface="Cambria Math" panose="02040503050406030204" pitchFamily="18" charset="0"/>
+                              </a:rPr>
+                              <m:t>𝑡</m:t>
+                            </m:r>
+                            <m:r>
+                              <a:rPr kumimoji="1" lang="en-US" altLang="ja-JP" sz="1600" b="0" i="1" smtClean="0">
+                                <a:solidFill>
+                                  <a:schemeClr val="tx1"/>
+                                </a:solidFill>
+                                <a:latin typeface="Cambria Math" panose="02040503050406030204" pitchFamily="18" charset="0"/>
+                              </a:rPr>
+                              <m:t>+2</m:t>
+                            </m:r>
+                          </m:sub>
+                        </m:sSub>
+                      </m:oMath>
+                    </m:oMathPara>
+                  </a14:m>
+                  <a:endParaRPr kumimoji="1" lang="ja-JP" altLang="en-US" sz="1600" dirty="0">
+                    <a:solidFill>
+                      <a:schemeClr val="tx1"/>
+                    </a:solidFill>
+                  </a:endParaRPr>
+                </a:p>
+              </p:txBody>
+            </p:sp>
+          </mc:Choice>
+          <mc:Fallback>
+            <p:sp>
+              <p:nvSpPr>
+                <p:cNvPr id="39" name="楕円 38">
+                  <a:extLst>
+                    <a:ext uri="{FF2B5EF4-FFF2-40B4-BE49-F238E27FC236}">
+                      <a16:creationId xmlns:a16="http://schemas.microsoft.com/office/drawing/2014/main" id="{5BA02A45-E092-45D8-B043-857E6804F5A3}"/>
+                    </a:ext>
+                  </a:extLst>
+                </p:cNvPr>
+                <p:cNvSpPr>
+                  <a:spLocks noRot="1" noChangeAspect="1" noMove="1" noResize="1" noEditPoints="1" noAdjustHandles="1" noChangeArrowheads="1" noChangeShapeType="1" noTextEdit="1"/>
+                </p:cNvSpPr>
+                <p:nvPr/>
+              </p:nvSpPr>
+              <p:spPr>
+                <a:xfrm>
+                  <a:off x="8422067" y="3159000"/>
+                  <a:ext cx="540000" cy="540000"/>
+                </a:xfrm>
+                <a:prstGeom prst="ellipse">
+                  <a:avLst/>
+                </a:prstGeom>
+                <a:blipFill>
+                  <a:blip r:embed="rId20"/>
+                  <a:stretch>
+                    <a:fillRect/>
+                  </a:stretch>
+                </a:blipFill>
+                <a:ln>
+                  <a:solidFill>
+                    <a:schemeClr val="tx1"/>
+                  </a:solidFill>
+                </a:ln>
+              </p:spPr>
+              <p:txBody>
+                <a:bodyPr/>
+                <a:lstStyle/>
+                <a:p>
+                  <a:r>
+                    <a:rPr lang="ja-JP" altLang="en-US">
+                      <a:noFill/>
+                    </a:rPr>
+                    <a:t> </a:t>
+                  </a:r>
+                </a:p>
+              </p:txBody>
+            </p:sp>
+          </mc:Fallback>
+        </mc:AlternateContent>
+        <mc:AlternateContent xmlns:mc="http://schemas.openxmlformats.org/markup-compatibility/2006">
+          <mc:Choice xmlns:a14="http://schemas.microsoft.com/office/drawing/2010/main" Requires="a14">
+            <p:sp>
+              <p:nvSpPr>
+                <p:cNvPr id="40" name="楕円 39">
+                  <a:extLst>
+                    <a:ext uri="{FF2B5EF4-FFF2-40B4-BE49-F238E27FC236}">
+                      <a16:creationId xmlns:a16="http://schemas.microsoft.com/office/drawing/2014/main" id="{6EAD3C4E-5BAA-4BC3-BA14-7CDF3BE5ECD7}"/>
+                    </a:ext>
+                  </a:extLst>
+                </p:cNvPr>
+                <p:cNvSpPr/>
+                <p:nvPr/>
+              </p:nvSpPr>
+              <p:spPr>
+                <a:xfrm>
+                  <a:off x="9182174" y="3867991"/>
+                  <a:ext cx="540000" cy="540000"/>
+                </a:xfrm>
+                <a:prstGeom prst="ellipse">
+                  <a:avLst/>
+                </a:prstGeom>
+                <a:solidFill>
+                  <a:schemeClr val="bg1">
+                    <a:lumMod val="85000"/>
+                  </a:schemeClr>
+                </a:solidFill>
+                <a:ln>
+                  <a:solidFill>
+                    <a:schemeClr val="tx1"/>
+                  </a:solidFill>
+                </a:ln>
+              </p:spPr>
+              <p:style>
+                <a:lnRef idx="2">
+                  <a:schemeClr val="accent1">
+                    <a:shade val="50000"/>
+                  </a:schemeClr>
+                </a:lnRef>
+                <a:fillRef idx="1">
+                  <a:schemeClr val="accent1"/>
+                </a:fillRef>
+                <a:effectRef idx="0">
+                  <a:schemeClr val="accent1"/>
+                </a:effectRef>
+                <a:fontRef idx="minor">
+                  <a:schemeClr val="lt1"/>
+                </a:fontRef>
+              </p:style>
+              <p:txBody>
+                <a:bodyPr rtlCol="0" anchor="ctr"/>
+                <a:lstStyle/>
+                <a:p>
+                  <a:pPr algn="ctr"/>
+                  <a14:m>
+                    <m:oMathPara xmlns:m="http://schemas.openxmlformats.org/officeDocument/2006/math">
+                      <m:oMathParaPr>
+                        <m:jc m:val="center"/>
+                      </m:oMathParaPr>
+                      <m:oMath xmlns:m="http://schemas.openxmlformats.org/officeDocument/2006/math">
+                        <m:sSub>
+                          <m:sSubPr>
+                            <m:ctrlPr>
+                              <a:rPr kumimoji="1" lang="en-US" altLang="ja-JP" sz="1600" b="0" i="1" smtClean="0">
+                                <a:solidFill>
+                                  <a:schemeClr val="tx1"/>
+                                </a:solidFill>
+                                <a:latin typeface="Cambria Math" panose="02040503050406030204" pitchFamily="18" charset="0"/>
+                              </a:rPr>
+                            </m:ctrlPr>
+                          </m:sSubPr>
+                          <m:e>
+                            <m:r>
+                              <a:rPr kumimoji="1" lang="en-US" altLang="ja-JP" sz="1600" b="0" i="1" smtClean="0">
+                                <a:solidFill>
+                                  <a:schemeClr val="tx1"/>
+                                </a:solidFill>
+                                <a:latin typeface="Cambria Math" panose="02040503050406030204" pitchFamily="18" charset="0"/>
+                              </a:rPr>
+                              <m:t>𝑧</m:t>
+                            </m:r>
+                          </m:e>
+                          <m:sub>
+                            <m:r>
+                              <a:rPr kumimoji="1" lang="en-US" altLang="ja-JP" sz="1600" b="0" i="1" smtClean="0">
+                                <a:solidFill>
+                                  <a:schemeClr val="tx1"/>
+                                </a:solidFill>
+                                <a:latin typeface="Cambria Math" panose="02040503050406030204" pitchFamily="18" charset="0"/>
+                              </a:rPr>
+                              <m:t>𝑡</m:t>
+                            </m:r>
+                            <m:r>
+                              <a:rPr kumimoji="1" lang="en-US" altLang="ja-JP" sz="1600" b="0" i="1" smtClean="0">
+                                <a:solidFill>
+                                  <a:schemeClr val="tx1"/>
+                                </a:solidFill>
+                                <a:latin typeface="Cambria Math" panose="02040503050406030204" pitchFamily="18" charset="0"/>
+                              </a:rPr>
+                              <m:t>+2</m:t>
+                            </m:r>
+                          </m:sub>
+                        </m:sSub>
+                      </m:oMath>
+                    </m:oMathPara>
+                  </a14:m>
+                  <a:endParaRPr kumimoji="1" lang="ja-JP" altLang="en-US" sz="1600" dirty="0">
+                    <a:solidFill>
+                      <a:schemeClr val="tx1"/>
+                    </a:solidFill>
+                  </a:endParaRPr>
+                </a:p>
+              </p:txBody>
+            </p:sp>
+          </mc:Choice>
+          <mc:Fallback>
+            <p:sp>
+              <p:nvSpPr>
+                <p:cNvPr id="40" name="楕円 39">
+                  <a:extLst>
+                    <a:ext uri="{FF2B5EF4-FFF2-40B4-BE49-F238E27FC236}">
+                      <a16:creationId xmlns:a16="http://schemas.microsoft.com/office/drawing/2014/main" id="{6EAD3C4E-5BAA-4BC3-BA14-7CDF3BE5ECD7}"/>
+                    </a:ext>
+                  </a:extLst>
+                </p:cNvPr>
+                <p:cNvSpPr>
+                  <a:spLocks noRot="1" noChangeAspect="1" noMove="1" noResize="1" noEditPoints="1" noAdjustHandles="1" noChangeArrowheads="1" noChangeShapeType="1" noTextEdit="1"/>
+                </p:cNvSpPr>
+                <p:nvPr/>
+              </p:nvSpPr>
+              <p:spPr>
+                <a:xfrm>
+                  <a:off x="9182174" y="3867991"/>
+                  <a:ext cx="540000" cy="540000"/>
+                </a:xfrm>
+                <a:prstGeom prst="ellipse">
+                  <a:avLst/>
+                </a:prstGeom>
+                <a:blipFill>
+                  <a:blip r:embed="rId21"/>
+                  <a:stretch>
+                    <a:fillRect/>
+                  </a:stretch>
+                </a:blipFill>
+                <a:ln>
+                  <a:solidFill>
+                    <a:schemeClr val="tx1"/>
+                  </a:solidFill>
+                </a:ln>
+              </p:spPr>
+              <p:txBody>
+                <a:bodyPr/>
+                <a:lstStyle/>
+                <a:p>
+                  <a:r>
+                    <a:rPr lang="ja-JP" altLang="en-US">
+                      <a:noFill/>
+                    </a:rPr>
+                    <a:t> </a:t>
+                  </a:r>
+                </a:p>
+              </p:txBody>
+            </p:sp>
+          </mc:Fallback>
+        </mc:AlternateContent>
+        <p:cxnSp>
+          <p:nvCxnSpPr>
+            <p:cNvPr id="41" name="直線矢印コネクタ 40">
+              <a:extLst>
+                <a:ext uri="{FF2B5EF4-FFF2-40B4-BE49-F238E27FC236}">
+                  <a16:creationId xmlns:a16="http://schemas.microsoft.com/office/drawing/2014/main" id="{4833EB04-D0B5-42C6-A9D9-4D7D19B94CFB}"/>
+                </a:ext>
+              </a:extLst>
+            </p:cNvPr>
+            <p:cNvCxnSpPr>
+              <a:cxnSpLocks/>
+              <a:stCxn id="39" idx="7"/>
+            </p:cNvCxnSpPr>
+            <p:nvPr/>
+          </p:nvCxnSpPr>
+          <p:spPr>
+            <a:xfrm flipV="1">
+              <a:off x="8882986" y="2910929"/>
+              <a:ext cx="386083" cy="327152"/>
+            </a:xfrm>
+            <a:prstGeom prst="straightConnector1">
+              <a:avLst/>
+            </a:prstGeom>
+            <a:ln w="19050">
+              <a:solidFill>
+                <a:schemeClr val="tx1"/>
+              </a:solidFill>
+              <a:tailEnd type="triangle"/>
+            </a:ln>
+          </p:spPr>
+          <p:style>
+            <a:lnRef idx="1">
+              <a:schemeClr val="accent1"/>
+            </a:lnRef>
+            <a:fillRef idx="0">
+              <a:schemeClr val="accent1"/>
+            </a:fillRef>
+            <a:effectRef idx="0">
+              <a:schemeClr val="accent1"/>
+            </a:effectRef>
+            <a:fontRef idx="minor">
+              <a:schemeClr val="tx1"/>
+            </a:fontRef>
+          </p:style>
+        </p:cxnSp>
+        <p:cxnSp>
+          <p:nvCxnSpPr>
+            <p:cNvPr id="43" name="直線矢印コネクタ 42">
+              <a:extLst>
+                <a:ext uri="{FF2B5EF4-FFF2-40B4-BE49-F238E27FC236}">
+                  <a16:creationId xmlns:a16="http://schemas.microsoft.com/office/drawing/2014/main" id="{74DEC273-7303-4F00-B5A3-295DF564C2A9}"/>
+                </a:ext>
+              </a:extLst>
+            </p:cNvPr>
+            <p:cNvCxnSpPr>
+              <a:cxnSpLocks/>
+              <a:stCxn id="33" idx="4"/>
+              <a:endCxn id="40" idx="0"/>
+            </p:cNvCxnSpPr>
+            <p:nvPr/>
+          </p:nvCxnSpPr>
+          <p:spPr>
+            <a:xfrm flipH="1">
+              <a:off x="9452174" y="2990009"/>
+              <a:ext cx="964" cy="877982"/>
+            </a:xfrm>
+            <a:prstGeom prst="straightConnector1">
+              <a:avLst/>
+            </a:prstGeom>
+            <a:ln w="19050">
+              <a:solidFill>
+                <a:schemeClr val="tx1"/>
+              </a:solidFill>
+              <a:tailEnd type="triangle"/>
+            </a:ln>
+          </p:spPr>
+          <p:style>
+            <a:lnRef idx="1">
+              <a:schemeClr val="accent1"/>
+            </a:lnRef>
+            <a:fillRef idx="0">
+              <a:schemeClr val="accent1"/>
+            </a:fillRef>
+            <a:effectRef idx="0">
+              <a:schemeClr val="accent1"/>
+            </a:effectRef>
+            <a:fontRef idx="minor">
+              <a:schemeClr val="tx1"/>
+            </a:fontRef>
+          </p:style>
+        </p:cxnSp>
+        <p:cxnSp>
+          <p:nvCxnSpPr>
+            <p:cNvPr id="48" name="直線矢印コネクタ 47">
+              <a:extLst>
+                <a:ext uri="{FF2B5EF4-FFF2-40B4-BE49-F238E27FC236}">
+                  <a16:creationId xmlns:a16="http://schemas.microsoft.com/office/drawing/2014/main" id="{25B95196-8DCE-4799-B089-852BBEFA3DCC}"/>
+                </a:ext>
+              </a:extLst>
+            </p:cNvPr>
+            <p:cNvCxnSpPr>
+              <a:cxnSpLocks/>
+              <a:stCxn id="36" idx="7"/>
+              <a:endCxn id="40" idx="3"/>
+            </p:cNvCxnSpPr>
+            <p:nvPr/>
+          </p:nvCxnSpPr>
+          <p:spPr>
+            <a:xfrm flipV="1">
+              <a:off x="7958191" y="4328910"/>
+              <a:ext cx="1303064" cy="1036144"/>
+            </a:xfrm>
+            <a:prstGeom prst="straightConnector1">
+              <a:avLst/>
+            </a:prstGeom>
+            <a:ln w="19050">
+              <a:solidFill>
+                <a:schemeClr val="tx1"/>
+              </a:solidFill>
+              <a:tailEnd type="triangle"/>
+            </a:ln>
+          </p:spPr>
+          <p:style>
+            <a:lnRef idx="1">
+              <a:schemeClr val="accent1"/>
+            </a:lnRef>
+            <a:fillRef idx="0">
+              <a:schemeClr val="accent1"/>
+            </a:fillRef>
+            <a:effectRef idx="0">
+              <a:schemeClr val="accent1"/>
+            </a:effectRef>
+            <a:fontRef idx="minor">
+              <a:schemeClr val="tx1"/>
+            </a:fontRef>
+          </p:style>
+        </p:cxnSp>
+        <mc:AlternateContent xmlns:mc="http://schemas.openxmlformats.org/markup-compatibility/2006">
+          <mc:Choice xmlns:a14="http://schemas.microsoft.com/office/drawing/2010/main" Requires="a14">
+            <p:sp>
+              <p:nvSpPr>
+                <p:cNvPr id="49" name="テキスト ボックス 48">
+                  <a:extLst>
+                    <a:ext uri="{FF2B5EF4-FFF2-40B4-BE49-F238E27FC236}">
+                      <a16:creationId xmlns:a16="http://schemas.microsoft.com/office/drawing/2014/main" id="{3CA7D518-FC99-44C5-B822-42E848F867D5}"/>
+                    </a:ext>
+                  </a:extLst>
+                </p:cNvPr>
+                <p:cNvSpPr txBox="1"/>
+                <p:nvPr/>
+              </p:nvSpPr>
+              <p:spPr>
+                <a:xfrm>
+                  <a:off x="8882986" y="4708480"/>
+                  <a:ext cx="908005" cy="276999"/>
+                </a:xfrm>
+                <a:prstGeom prst="rect">
+                  <a:avLst/>
+                </a:prstGeom>
+                <a:noFill/>
+              </p:spPr>
+              <p:txBody>
+                <a:bodyPr wrap="square" lIns="0" tIns="0" rIns="0" bIns="0" rtlCol="0">
+                  <a:spAutoFit/>
+                </a:bodyPr>
+                <a:lstStyle/>
+                <a:p>
+                  <a:pPr/>
+                  <a14:m>
+                    <m:oMathPara xmlns:m="http://schemas.openxmlformats.org/officeDocument/2006/math">
+                      <m:oMathParaPr>
+                        <m:jc m:val="right"/>
+                      </m:oMathParaPr>
+                      <m:oMath xmlns:m="http://schemas.openxmlformats.org/officeDocument/2006/math">
+                        <m:sSub>
+                          <m:sSubPr>
+                            <m:ctrlPr>
+                              <a:rPr kumimoji="1" lang="en-US" altLang="ja-JP" b="0" i="1" smtClean="0">
+                                <a:latin typeface="Cambria Math" panose="02040503050406030204" pitchFamily="18" charset="0"/>
+                              </a:rPr>
+                            </m:ctrlPr>
+                          </m:sSubPr>
+                          <m:e>
+                            <m:r>
+                              <a:rPr kumimoji="1" lang="en-US" altLang="ja-JP" b="0" i="1" smtClean="0">
+                                <a:latin typeface="Cambria Math" panose="02040503050406030204" pitchFamily="18" charset="0"/>
+                              </a:rPr>
+                              <m:t>𝑐</m:t>
+                            </m:r>
+                          </m:e>
+                          <m:sub>
+                            <m:r>
+                              <a:rPr kumimoji="1" lang="en-US" altLang="ja-JP" b="0" i="1" smtClean="0">
+                                <a:latin typeface="Cambria Math" panose="02040503050406030204" pitchFamily="18" charset="0"/>
+                              </a:rPr>
+                              <m:t>𝑡</m:t>
+                            </m:r>
+                            <m:r>
+                              <a:rPr kumimoji="1" lang="en-US" altLang="ja-JP" b="0" i="1" smtClean="0">
+                                <a:latin typeface="Cambria Math" panose="02040503050406030204" pitchFamily="18" charset="0"/>
+                              </a:rPr>
+                              <m:t>+2</m:t>
+                            </m:r>
+                          </m:sub>
+                        </m:sSub>
+                        <m:r>
+                          <a:rPr kumimoji="1" lang="en-US" altLang="ja-JP" b="0" i="1" smtClean="0">
+                            <a:latin typeface="Cambria Math" panose="02040503050406030204" pitchFamily="18" charset="0"/>
+                          </a:rPr>
+                          <m:t>=</m:t>
+                        </m:r>
+                        <m:r>
+                          <a:rPr kumimoji="1" lang="en-US" altLang="ja-JP" b="0" i="1" smtClean="0">
+                            <a:latin typeface="Cambria Math" panose="02040503050406030204" pitchFamily="18" charset="0"/>
+                          </a:rPr>
+                          <m:t>𝑘</m:t>
+                        </m:r>
+                      </m:oMath>
+                    </m:oMathPara>
+                  </a14:m>
+                  <a:endParaRPr kumimoji="1" lang="ja-JP" altLang="en-US" dirty="0"/>
+                </a:p>
+              </p:txBody>
+            </p:sp>
+          </mc:Choice>
+          <mc:Fallback>
+            <p:sp>
+              <p:nvSpPr>
+                <p:cNvPr id="49" name="テキスト ボックス 48">
+                  <a:extLst>
+                    <a:ext uri="{FF2B5EF4-FFF2-40B4-BE49-F238E27FC236}">
+                      <a16:creationId xmlns:a16="http://schemas.microsoft.com/office/drawing/2014/main" id="{3CA7D518-FC99-44C5-B822-42E848F867D5}"/>
+                    </a:ext>
+                  </a:extLst>
+                </p:cNvPr>
+                <p:cNvSpPr txBox="1">
+                  <a:spLocks noRot="1" noChangeAspect="1" noMove="1" noResize="1" noEditPoints="1" noAdjustHandles="1" noChangeArrowheads="1" noChangeShapeType="1" noTextEdit="1"/>
+                </p:cNvSpPr>
+                <p:nvPr/>
+              </p:nvSpPr>
+              <p:spPr>
+                <a:xfrm>
+                  <a:off x="8882986" y="4708480"/>
+                  <a:ext cx="908005" cy="276999"/>
+                </a:xfrm>
+                <a:prstGeom prst="rect">
+                  <a:avLst/>
+                </a:prstGeom>
+                <a:blipFill>
+                  <a:blip r:embed="rId22"/>
+                  <a:stretch>
+                    <a:fillRect r="-8725" b="-15217"/>
+                  </a:stretch>
+                </a:blipFill>
+              </p:spPr>
+              <p:txBody>
+                <a:bodyPr/>
+                <a:lstStyle/>
+                <a:p>
+                  <a:r>
+                    <a:rPr lang="ja-JP" altLang="en-US">
+                      <a:noFill/>
+                    </a:rPr>
+                    <a:t> </a:t>
+                  </a:r>
+                </a:p>
+              </p:txBody>
+            </p:sp>
+          </mc:Fallback>
+        </mc:AlternateContent>
+      </p:grpSp>
+    </p:spTree>
+    <p:extLst>
+      <p:ext uri="{BB962C8B-B14F-4D97-AF65-F5344CB8AC3E}">
+        <p14:creationId xmlns:p14="http://schemas.microsoft.com/office/powerpoint/2010/main" val="1176472928"/>
       </p:ext>
     </p:extLst>
   </p:cSld>
